--- a/doc/Project 3- Image Classification.pptx
+++ b/doc/Project 3- Image Classification.pptx
@@ -607,7 +607,7 @@
           <a:p>
             <a:fld id="{DF136250-D4A9-407B-8303-3F899433A848}" type="datetimeFigureOut">
               <a:rPr lang="en-US" smtClean="0"/>
-              <a:t>3/29/2020</a:t>
+              <a:t>3/30/20</a:t>
             </a:fld>
             <a:endParaRPr lang="en-US"/>
           </a:p>
@@ -805,7 +805,7 @@
           <a:p>
             <a:fld id="{DF136250-D4A9-407B-8303-3F899433A848}" type="datetimeFigureOut">
               <a:rPr lang="en-US" smtClean="0"/>
-              <a:t>3/29/2020</a:t>
+              <a:t>3/30/20</a:t>
             </a:fld>
             <a:endParaRPr lang="en-US"/>
           </a:p>
@@ -1013,7 +1013,7 @@
           <a:p>
             <a:fld id="{DF136250-D4A9-407B-8303-3F899433A848}" type="datetimeFigureOut">
               <a:rPr lang="en-US" smtClean="0"/>
-              <a:t>3/29/2020</a:t>
+              <a:t>3/30/20</a:t>
             </a:fld>
             <a:endParaRPr lang="en-US"/>
           </a:p>
@@ -1211,7 +1211,7 @@
           <a:p>
             <a:fld id="{DF136250-D4A9-407B-8303-3F899433A848}" type="datetimeFigureOut">
               <a:rPr lang="en-US" smtClean="0"/>
-              <a:t>3/29/2020</a:t>
+              <a:t>3/30/20</a:t>
             </a:fld>
             <a:endParaRPr lang="en-US"/>
           </a:p>
@@ -1486,7 +1486,7 @@
           <a:p>
             <a:fld id="{DF136250-D4A9-407B-8303-3F899433A848}" type="datetimeFigureOut">
               <a:rPr lang="en-US" smtClean="0"/>
-              <a:t>3/29/2020</a:t>
+              <a:t>3/30/20</a:t>
             </a:fld>
             <a:endParaRPr lang="en-US"/>
           </a:p>
@@ -1751,7 +1751,7 @@
           <a:p>
             <a:fld id="{DF136250-D4A9-407B-8303-3F899433A848}" type="datetimeFigureOut">
               <a:rPr lang="en-US" smtClean="0"/>
-              <a:t>3/29/2020</a:t>
+              <a:t>3/30/20</a:t>
             </a:fld>
             <a:endParaRPr lang="en-US"/>
           </a:p>
@@ -2163,7 +2163,7 @@
           <a:p>
             <a:fld id="{DF136250-D4A9-407B-8303-3F899433A848}" type="datetimeFigureOut">
               <a:rPr lang="en-US" smtClean="0"/>
-              <a:t>3/29/2020</a:t>
+              <a:t>3/30/20</a:t>
             </a:fld>
             <a:endParaRPr lang="en-US"/>
           </a:p>
@@ -2304,7 +2304,7 @@
           <a:p>
             <a:fld id="{DF136250-D4A9-407B-8303-3F899433A848}" type="datetimeFigureOut">
               <a:rPr lang="en-US" smtClean="0"/>
-              <a:t>3/29/2020</a:t>
+              <a:t>3/30/20</a:t>
             </a:fld>
             <a:endParaRPr lang="en-US"/>
           </a:p>
@@ -2417,7 +2417,7 @@
           <a:p>
             <a:fld id="{DF136250-D4A9-407B-8303-3F899433A848}" type="datetimeFigureOut">
               <a:rPr lang="en-US" smtClean="0"/>
-              <a:t>3/29/2020</a:t>
+              <a:t>3/30/20</a:t>
             </a:fld>
             <a:endParaRPr lang="en-US"/>
           </a:p>
@@ -2728,7 +2728,7 @@
           <a:p>
             <a:fld id="{DF136250-D4A9-407B-8303-3F899433A848}" type="datetimeFigureOut">
               <a:rPr lang="en-US" smtClean="0"/>
-              <a:t>3/29/2020</a:t>
+              <a:t>3/30/20</a:t>
             </a:fld>
             <a:endParaRPr lang="en-US"/>
           </a:p>
@@ -3016,7 +3016,7 @@
           <a:p>
             <a:fld id="{DF136250-D4A9-407B-8303-3F899433A848}" type="datetimeFigureOut">
               <a:rPr lang="en-US" smtClean="0"/>
-              <a:t>3/29/2020</a:t>
+              <a:t>3/30/20</a:t>
             </a:fld>
             <a:endParaRPr lang="en-US"/>
           </a:p>
@@ -3257,7 +3257,7 @@
           <a:p>
             <a:fld id="{DF136250-D4A9-407B-8303-3F899433A848}" type="datetimeFigureOut">
               <a:rPr lang="en-US" smtClean="0"/>
-              <a:t>3/29/2020</a:t>
+              <a:t>3/30/20</a:t>
             </a:fld>
             <a:endParaRPr lang="en-US"/>
           </a:p>
@@ -3969,7 +3969,7 @@
         <p:spPr/>
         <p:txBody>
           <a:bodyPr>
-            <a:normAutofit/>
+            <a:normAutofit fontScale="92500" lnSpcReduction="10000"/>
           </a:bodyPr>
           <a:lstStyle/>
           <a:p>
@@ -4061,6 +4061,41 @@
               <a:rPr lang="en-US" dirty="0"/>
               <a:t>LDA</a:t>
             </a:r>
+          </a:p>
+          <a:p>
+            <a:pPr marL="457200" lvl="1" indent="0" algn="ctr">
+              <a:buNone/>
+            </a:pPr>
+            <a:r>
+              <a:rPr lang="en-US" dirty="0"/>
+              <a:t>Logistic</a:t>
+            </a:r>
+            <a:r>
+              <a:rPr lang="zh-CN" altLang="en-US" dirty="0"/>
+              <a:t> </a:t>
+            </a:r>
+            <a:r>
+              <a:rPr lang="en-US" altLang="zh-CN" dirty="0"/>
+              <a:t>Regression</a:t>
+            </a:r>
+          </a:p>
+          <a:p>
+            <a:pPr marL="457200" lvl="1" indent="0" algn="ctr">
+              <a:buNone/>
+            </a:pPr>
+            <a:r>
+              <a:rPr lang="en-US" dirty="0"/>
+              <a:t>Random</a:t>
+            </a:r>
+            <a:r>
+              <a:rPr lang="zh-CN" altLang="en-US" dirty="0"/>
+              <a:t> </a:t>
+            </a:r>
+            <a:r>
+              <a:rPr lang="en-US" altLang="zh-CN" dirty="0"/>
+              <a:t>Forest</a:t>
+            </a:r>
+            <a:endParaRPr lang="en-US" dirty="0"/>
           </a:p>
         </p:txBody>
       </p:sp>
@@ -4214,8 +4249,13 @@
             </a:r>
             <a:r>
               <a:rPr lang="en-US" dirty="0"/>
-              <a:t>= 2</a:t>
-            </a:r>
+              <a:t>= </a:t>
+            </a:r>
+            <a:r>
+              <a:rPr lang="en-US" altLang="zh-CN" dirty="0"/>
+              <a:t>1</a:t>
+            </a:r>
+            <a:endParaRPr lang="en-US" dirty="0"/>
           </a:p>
           <a:p>
             <a:pPr lvl="1"/>
@@ -4663,7 +4703,15 @@
             <a:pPr lvl="1"/>
             <a:r>
               <a:rPr lang="en-US" dirty="0"/>
-              <a:t>Test Accuracy: 58.0%</a:t>
+              <a:t>Test Accuracy: 5</a:t>
+            </a:r>
+            <a:r>
+              <a:rPr lang="en-US" altLang="zh-CN" dirty="0"/>
+              <a:t>5</a:t>
+            </a:r>
+            <a:r>
+              <a:rPr lang="en-US" dirty="0"/>
+              <a:t>.0%</a:t>
             </a:r>
           </a:p>
           <a:p>

--- a/doc/Project 3- Image Classification.pptx
+++ b/doc/Project 3- Image Classification.pptx
@@ -615,7 +615,7 @@
           <a:p>
             <a:fld id="{DF136250-D4A9-407B-8303-3F899433A848}" type="datetimeFigureOut">
               <a:rPr lang="en-US" smtClean="0"/>
-              <a:t>3/30/2020</a:t>
+              <a:t>3/31/20</a:t>
             </a:fld>
             <a:endParaRPr lang="en-US"/>
           </a:p>
@@ -813,7 +813,7 @@
           <a:p>
             <a:fld id="{DF136250-D4A9-407B-8303-3F899433A848}" type="datetimeFigureOut">
               <a:rPr lang="en-US" smtClean="0"/>
-              <a:t>3/30/2020</a:t>
+              <a:t>3/31/20</a:t>
             </a:fld>
             <a:endParaRPr lang="en-US"/>
           </a:p>
@@ -1021,7 +1021,7 @@
           <a:p>
             <a:fld id="{DF136250-D4A9-407B-8303-3F899433A848}" type="datetimeFigureOut">
               <a:rPr lang="en-US" smtClean="0"/>
-              <a:t>3/30/2020</a:t>
+              <a:t>3/31/20</a:t>
             </a:fld>
             <a:endParaRPr lang="en-US"/>
           </a:p>
@@ -1219,7 +1219,7 @@
           <a:p>
             <a:fld id="{DF136250-D4A9-407B-8303-3F899433A848}" type="datetimeFigureOut">
               <a:rPr lang="en-US" smtClean="0"/>
-              <a:t>3/30/2020</a:t>
+              <a:t>3/31/20</a:t>
             </a:fld>
             <a:endParaRPr lang="en-US"/>
           </a:p>
@@ -1494,7 +1494,7 @@
           <a:p>
             <a:fld id="{DF136250-D4A9-407B-8303-3F899433A848}" type="datetimeFigureOut">
               <a:rPr lang="en-US" smtClean="0"/>
-              <a:t>3/30/2020</a:t>
+              <a:t>3/31/20</a:t>
             </a:fld>
             <a:endParaRPr lang="en-US"/>
           </a:p>
@@ -1759,7 +1759,7 @@
           <a:p>
             <a:fld id="{DF136250-D4A9-407B-8303-3F899433A848}" type="datetimeFigureOut">
               <a:rPr lang="en-US" smtClean="0"/>
-              <a:t>3/30/2020</a:t>
+              <a:t>3/31/20</a:t>
             </a:fld>
             <a:endParaRPr lang="en-US"/>
           </a:p>
@@ -2171,7 +2171,7 @@
           <a:p>
             <a:fld id="{DF136250-D4A9-407B-8303-3F899433A848}" type="datetimeFigureOut">
               <a:rPr lang="en-US" smtClean="0"/>
-              <a:t>3/30/2020</a:t>
+              <a:t>3/31/20</a:t>
             </a:fld>
             <a:endParaRPr lang="en-US"/>
           </a:p>
@@ -2312,7 +2312,7 @@
           <a:p>
             <a:fld id="{DF136250-D4A9-407B-8303-3F899433A848}" type="datetimeFigureOut">
               <a:rPr lang="en-US" smtClean="0"/>
-              <a:t>3/30/2020</a:t>
+              <a:t>3/31/20</a:t>
             </a:fld>
             <a:endParaRPr lang="en-US"/>
           </a:p>
@@ -2425,7 +2425,7 @@
           <a:p>
             <a:fld id="{DF136250-D4A9-407B-8303-3F899433A848}" type="datetimeFigureOut">
               <a:rPr lang="en-US" smtClean="0"/>
-              <a:t>3/30/2020</a:t>
+              <a:t>3/31/20</a:t>
             </a:fld>
             <a:endParaRPr lang="en-US"/>
           </a:p>
@@ -2736,7 +2736,7 @@
           <a:p>
             <a:fld id="{DF136250-D4A9-407B-8303-3F899433A848}" type="datetimeFigureOut">
               <a:rPr lang="en-US" smtClean="0"/>
-              <a:t>3/30/2020</a:t>
+              <a:t>3/31/20</a:t>
             </a:fld>
             <a:endParaRPr lang="en-US"/>
           </a:p>
@@ -3024,7 +3024,7 @@
           <a:p>
             <a:fld id="{DF136250-D4A9-407B-8303-3F899433A848}" type="datetimeFigureOut">
               <a:rPr lang="en-US" smtClean="0"/>
-              <a:t>3/30/2020</a:t>
+              <a:t>3/31/20</a:t>
             </a:fld>
             <a:endParaRPr lang="en-US"/>
           </a:p>
@@ -3265,7 +3265,7 @@
           <a:p>
             <a:fld id="{DF136250-D4A9-407B-8303-3F899433A848}" type="datetimeFigureOut">
               <a:rPr lang="en-US" smtClean="0"/>
-              <a:t>3/30/2020</a:t>
+              <a:t>3/31/20</a:t>
             </a:fld>
             <a:endParaRPr lang="en-US"/>
           </a:p>
@@ -5415,8 +5415,8 @@
         </p:nvSpPr>
         <p:spPr>
           <a:xfrm>
-            <a:off x="838200" y="1483816"/>
-            <a:ext cx="10195560" cy="4154984"/>
+            <a:off x="838200" y="1319413"/>
+            <a:ext cx="9909313" cy="4154984"/>
           </a:xfrm>
           <a:prstGeom prst="rect">
             <a:avLst/>
@@ -5494,8 +5494,8 @@
         </p:blipFill>
         <p:spPr>
           <a:xfrm>
-            <a:off x="0" y="5638800"/>
-            <a:ext cx="12192000" cy="1219200"/>
+            <a:off x="166720" y="5474397"/>
+            <a:ext cx="11858560" cy="1185856"/>
           </a:xfrm>
           <a:prstGeom prst="rect">
             <a:avLst/>

--- a/doc/Project 3- Image Classification.pptx
+++ b/doc/Project 3- Image Classification.pptx
@@ -3786,7 +3786,7 @@
         <p:spPr>
           <a:xfrm>
             <a:off x="1787575" y="6106160"/>
-            <a:ext cx="8616846" cy="369332"/>
+            <a:ext cx="8478988" cy="369332"/>
           </a:xfrm>
           <a:prstGeom prst="rect">
             <a:avLst/>
@@ -3812,7 +3812,55 @@
                   <a:schemeClr val="bg1"/>
                 </a:solidFill>
               </a:rPr>
-              <a:t>Team 5: Jiawei Liu (Presenter) | </a:t>
+              <a:t>Team 5: </a:t>
+            </a:r>
+            <a:r>
+              <a:rPr lang="en-US" dirty="0" err="1">
+                <a:solidFill>
+                  <a:schemeClr val="bg1"/>
+                </a:solidFill>
+              </a:rPr>
+              <a:t>Ziqin</a:t>
+            </a:r>
+            <a:r>
+              <a:rPr lang="en-US" dirty="0">
+                <a:solidFill>
+                  <a:schemeClr val="bg1"/>
+                </a:solidFill>
+              </a:rPr>
+              <a:t> Zhao| Marko </a:t>
+            </a:r>
+            <a:r>
+              <a:rPr lang="en-US" dirty="0" err="1">
+                <a:solidFill>
+                  <a:schemeClr val="bg1"/>
+                </a:solidFill>
+              </a:rPr>
+              <a:t>Konte</a:t>
+            </a:r>
+            <a:r>
+              <a:rPr lang="en-US" dirty="0">
+                <a:solidFill>
+                  <a:schemeClr val="bg1"/>
+                </a:solidFill>
+              </a:rPr>
+              <a:t> | </a:t>
+            </a:r>
+            <a:r>
+              <a:rPr lang="en-US" dirty="0" err="1">
+                <a:solidFill>
+                  <a:schemeClr val="bg1"/>
+                </a:solidFill>
+              </a:rPr>
+              <a:t>Tianning</a:t>
+            </a:r>
+            <a:r>
+              <a:rPr lang="en-US" dirty="0">
+                <a:solidFill>
+                  <a:schemeClr val="bg1"/>
+                </a:solidFill>
+              </a:rPr>
+              <a:t> Yu | Jiawei Liu (Presenter) | </a:t>
             </a:r>
             <a:r>
               <a:rPr lang="en-US" dirty="0" err="1">
@@ -3823,44 +3871,12 @@
               <a:t>Shenghan</a:t>
             </a:r>
             <a:r>
-              <a:rPr lang="en-US" dirty="0">
+              <a:rPr lang="en-US">
                 <a:solidFill>
                   <a:schemeClr val="bg1"/>
                 </a:solidFill>
               </a:rPr>
-              <a:t> Chen | </a:t>
-            </a:r>
-            <a:r>
-              <a:rPr lang="en-US" dirty="0" err="1">
-                <a:solidFill>
-                  <a:schemeClr val="bg1"/>
-                </a:solidFill>
-              </a:rPr>
-              <a:t>Tianning</a:t>
-            </a:r>
-            <a:r>
-              <a:rPr lang="en-US" dirty="0">
-                <a:solidFill>
-                  <a:schemeClr val="bg1"/>
-                </a:solidFill>
-              </a:rPr>
-              <a:t> Yu | </a:t>
-            </a:r>
-            <a:r>
-              <a:rPr lang="en-US" dirty="0" err="1">
-                <a:solidFill>
-                  <a:schemeClr val="bg1"/>
-                </a:solidFill>
-              </a:rPr>
-              <a:t>Ziqin</a:t>
-            </a:r>
-            <a:r>
-              <a:rPr lang="en-US" dirty="0">
-                <a:solidFill>
-                  <a:schemeClr val="bg1"/>
-                </a:solidFill>
-              </a:rPr>
-              <a:t> Zhao| Marko Konte</a:t>
+              <a:t> Chen</a:t>
             </a:r>
             <a:endParaRPr lang="en-US" dirty="0"/>
           </a:p>
@@ -3977,7 +3993,7 @@
         <p:spPr/>
         <p:txBody>
           <a:bodyPr>
-            <a:normAutofit/>
+            <a:normAutofit fontScale="92500" lnSpcReduction="10000"/>
           </a:bodyPr>
           <a:lstStyle/>
           <a:p>
@@ -3990,6 +4006,43 @@
               </a:rPr>
               <a:t>Baseline: Gradient Boosting Model</a:t>
             </a:r>
+            <a:r>
+              <a:rPr lang="zh-CN" altLang="en-US" dirty="0">
+                <a:solidFill>
+                  <a:schemeClr val="bg1"/>
+                </a:solidFill>
+              </a:rPr>
+              <a:t> </a:t>
+            </a:r>
+            <a:r>
+              <a:rPr lang="en-US" altLang="zh-CN" dirty="0">
+                <a:solidFill>
+                  <a:schemeClr val="bg1"/>
+                </a:solidFill>
+              </a:rPr>
+              <a:t>(</a:t>
+            </a:r>
+            <a:r>
+              <a:rPr lang="en-US" b="1" dirty="0">
+                <a:solidFill>
+                  <a:schemeClr val="bg1"/>
+                </a:solidFill>
+              </a:rPr>
+              <a:t>Claimed test accuracy: 38%</a:t>
+            </a:r>
+            <a:r>
+              <a:rPr lang="en-US" altLang="zh-CN" b="1" dirty="0">
+                <a:solidFill>
+                  <a:schemeClr val="bg1"/>
+                </a:solidFill>
+              </a:rPr>
+              <a:t>)</a:t>
+            </a:r>
+            <a:endParaRPr lang="en-US" dirty="0">
+              <a:solidFill>
+                <a:schemeClr val="bg1"/>
+              </a:solidFill>
+            </a:endParaRPr>
           </a:p>
           <a:p>
             <a:pPr marL="0" indent="0" algn="ctr">
@@ -4009,8 +4062,53 @@
                   <a:schemeClr val="bg1"/>
                 </a:solidFill>
               </a:rPr>
-              <a:t>Best Advanced Model: Convolutional Neural Network</a:t>
-            </a:r>
+              <a:t>Best Advanced Model: Neural Network</a:t>
+            </a:r>
+            <a:r>
+              <a:rPr lang="en-US" altLang="zh-CN" dirty="0">
+                <a:solidFill>
+                  <a:schemeClr val="bg1"/>
+                </a:solidFill>
+              </a:rPr>
+              <a:t> (</a:t>
+            </a:r>
+            <a:r>
+              <a:rPr lang="en-US" b="1" dirty="0">
+                <a:solidFill>
+                  <a:schemeClr val="bg1"/>
+                </a:solidFill>
+              </a:rPr>
+              <a:t>Claimed test accuracy: </a:t>
+            </a:r>
+            <a:r>
+              <a:rPr lang="en-US" altLang="zh-CN" b="1" dirty="0">
+                <a:solidFill>
+                  <a:schemeClr val="bg1"/>
+                </a:solidFill>
+              </a:rPr>
+              <a:t>54</a:t>
+            </a:r>
+            <a:r>
+              <a:rPr lang="en-US" b="1" dirty="0">
+                <a:solidFill>
+                  <a:schemeClr val="bg1"/>
+                </a:solidFill>
+              </a:rPr>
+              <a:t>%</a:t>
+            </a:r>
+            <a:r>
+              <a:rPr lang="en-US" altLang="zh-CN" b="1" dirty="0">
+                <a:solidFill>
+                  <a:schemeClr val="bg1"/>
+                </a:solidFill>
+              </a:rPr>
+              <a:t>)</a:t>
+            </a:r>
+            <a:endParaRPr lang="en-US" dirty="0">
+              <a:solidFill>
+                <a:schemeClr val="bg1"/>
+              </a:solidFill>
+            </a:endParaRPr>
           </a:p>
           <a:p>
             <a:pPr marL="0" indent="0" algn="ctr">
@@ -4069,6 +4167,41 @@
               <a:rPr lang="en-US" dirty="0"/>
               <a:t>LDA</a:t>
             </a:r>
+          </a:p>
+          <a:p>
+            <a:pPr marL="457200" lvl="1" indent="0" algn="ctr">
+              <a:buNone/>
+            </a:pPr>
+            <a:r>
+              <a:rPr lang="en-US" altLang="zh-CN" dirty="0"/>
+              <a:t>Logistic</a:t>
+            </a:r>
+            <a:r>
+              <a:rPr lang="zh-CN" altLang="en-US" dirty="0"/>
+              <a:t> </a:t>
+            </a:r>
+            <a:r>
+              <a:rPr lang="en-US" altLang="zh-CN" dirty="0"/>
+              <a:t>Regression</a:t>
+            </a:r>
+          </a:p>
+          <a:p>
+            <a:pPr marL="457200" lvl="1" indent="0" algn="ctr">
+              <a:buNone/>
+            </a:pPr>
+            <a:r>
+              <a:rPr lang="en-US" altLang="zh-CN" dirty="0"/>
+              <a:t>Random</a:t>
+            </a:r>
+            <a:r>
+              <a:rPr lang="zh-CN" altLang="en-US" dirty="0"/>
+              <a:t> </a:t>
+            </a:r>
+            <a:r>
+              <a:rPr lang="en-US" altLang="zh-CN" dirty="0"/>
+              <a:t>Forest</a:t>
+            </a:r>
+            <a:endParaRPr lang="en-US" dirty="0"/>
           </a:p>
         </p:txBody>
       </p:sp>
@@ -4211,8 +4344,13 @@
             </a:r>
             <a:r>
               <a:rPr lang="en-US" dirty="0"/>
-              <a:t> = 22</a:t>
-            </a:r>
+              <a:t> = </a:t>
+            </a:r>
+            <a:r>
+              <a:rPr lang="en-US" altLang="zh-CN" dirty="0"/>
+              <a:t>100</a:t>
+            </a:r>
+            <a:endParaRPr lang="en-US" dirty="0"/>
           </a:p>
           <a:p>
             <a:pPr lvl="1"/>
@@ -4222,8 +4360,13 @@
             </a:r>
             <a:r>
               <a:rPr lang="en-US" dirty="0"/>
-              <a:t>= 2</a:t>
-            </a:r>
+              <a:t>= </a:t>
+            </a:r>
+            <a:r>
+              <a:rPr lang="en-US" altLang="zh-CN" dirty="0"/>
+              <a:t>1</a:t>
+            </a:r>
+            <a:endParaRPr lang="en-US" dirty="0"/>
           </a:p>
           <a:p>
             <a:pPr lvl="1"/>
@@ -4246,7 +4389,15 @@
             <a:pPr lvl="1"/>
             <a:r>
               <a:rPr lang="en-US" b="1" dirty="0"/>
-              <a:t>Time for mode: 9 Minutes</a:t>
+              <a:t>Time for mode: </a:t>
+            </a:r>
+            <a:r>
+              <a:rPr lang="en-US" altLang="zh-CN" b="1" dirty="0"/>
+              <a:t>8.6</a:t>
+            </a:r>
+            <a:r>
+              <a:rPr lang="en-US" b="1" dirty="0"/>
+              <a:t> Minutes</a:t>
             </a:r>
           </a:p>
           <a:p>
@@ -5148,131 +5299,336 @@
             <p:ph idx="1"/>
           </p:nvPr>
         </p:nvSpPr>
-        <p:spPr/>
-        <p:txBody>
-          <a:bodyPr>
-            <a:normAutofit fontScale="92500" lnSpcReduction="20000"/>
-          </a:bodyPr>
-          <a:lstStyle/>
-          <a:p>
-            <a:r>
-              <a:rPr lang="en-US" dirty="0"/>
-              <a:t>SVM</a:t>
-            </a:r>
-          </a:p>
-          <a:p>
-            <a:pPr lvl="1"/>
-            <a:r>
-              <a:rPr lang="en-US" dirty="0"/>
-              <a:t>Test Accuracy: 48.4%</a:t>
-            </a:r>
-          </a:p>
-          <a:p>
-            <a:pPr lvl="1"/>
-            <a:r>
-              <a:rPr lang="en-US" dirty="0"/>
-              <a:t>Model time: 55 seconds</a:t>
-            </a:r>
-          </a:p>
-          <a:p>
-            <a:r>
-              <a:rPr lang="en-US" dirty="0"/>
-              <a:t>LDA</a:t>
-            </a:r>
-          </a:p>
-          <a:p>
-            <a:pPr lvl="1"/>
-            <a:r>
-              <a:rPr lang="en-US" dirty="0"/>
-              <a:t>Test accuracy: 53.8%</a:t>
-            </a:r>
-          </a:p>
-          <a:p>
-            <a:pPr lvl="1"/>
-            <a:r>
-              <a:rPr lang="en-US" dirty="0"/>
-              <a:t>Model time: 2.22 minutes</a:t>
-            </a:r>
-          </a:p>
-          <a:p>
-            <a:r>
-              <a:rPr lang="en-US" dirty="0" err="1"/>
-              <a:t>XGBoost</a:t>
-            </a:r>
-            <a:endParaRPr lang="en-US" dirty="0"/>
-          </a:p>
-          <a:p>
-            <a:pPr lvl="1"/>
-            <a:r>
-              <a:rPr lang="en-US" dirty="0"/>
-              <a:t>Test accuracy: 49.2% </a:t>
-            </a:r>
-          </a:p>
-          <a:p>
-            <a:pPr lvl="1"/>
-            <a:r>
-              <a:rPr lang="en-US" dirty="0"/>
-              <a:t>Model time: 3.07 minutes</a:t>
-            </a:r>
-          </a:p>
-          <a:p>
-            <a:r>
-              <a:rPr lang="en-US" dirty="0"/>
-              <a:t>Random forest</a:t>
-            </a:r>
-          </a:p>
-          <a:p>
-            <a:pPr lvl="1"/>
-            <a:r>
-              <a:rPr lang="en-US" dirty="0"/>
-              <a:t>Test accuracy: 43.0% </a:t>
-            </a:r>
-          </a:p>
-          <a:p>
-            <a:pPr lvl="1"/>
-            <a:r>
-              <a:rPr lang="en-US" dirty="0"/>
-              <a:t>Model Time: 11.24 seconds</a:t>
-            </a:r>
-          </a:p>
-        </p:txBody>
-      </p:sp>
-      <p:pic>
-        <p:nvPicPr>
-          <p:cNvPr id="4" name="Content Placeholder 3">
-            <a:extLst>
-              <a:ext uri="{FF2B5EF4-FFF2-40B4-BE49-F238E27FC236}">
-                <a16:creationId xmlns:a16="http://schemas.microsoft.com/office/drawing/2014/main" id="{82434AC1-BD97-4837-AC60-D6CDFAFAEFDC}"/>
-              </a:ext>
-            </a:extLst>
-          </p:cNvPr>
-          <p:cNvPicPr>
-            <a:picLocks noChangeAspect="1"/>
-          </p:cNvPicPr>
-          <p:nvPr/>
-        </p:nvPicPr>
-        <p:blipFill>
-          <a:blip r:embed="rId2"/>
-          <a:stretch>
-            <a:fillRect/>
-          </a:stretch>
-        </p:blipFill>
         <p:spPr>
           <a:xfrm>
-            <a:off x="4839289" y="2710180"/>
-            <a:ext cx="7038975" cy="2238375"/>
+            <a:off x="599659" y="1550505"/>
+            <a:ext cx="10942984" cy="4491522"/>
           </a:xfrm>
-          <a:prstGeom prst="rect">
-            <a:avLst/>
-          </a:prstGeom>
-          <a:noFill/>
-          <a:ln w="12700">
-            <a:solidFill>
-              <a:srgbClr val="92D050"/>
-            </a:solidFill>
-          </a:ln>
         </p:spPr>
-      </p:pic>
+        <p:txBody>
+          <a:bodyPr>
+            <a:noAutofit/>
+          </a:bodyPr>
+          <a:lstStyle/>
+          <a:p>
+            <a:r>
+              <a:rPr lang="en-US" sz="1400" dirty="0"/>
+              <a:t>SVM</a:t>
+            </a:r>
+          </a:p>
+          <a:p>
+            <a:pPr lvl="1"/>
+            <a:r>
+              <a:rPr lang="en-US" sz="1400" dirty="0"/>
+              <a:t>Test Accuracy: 48.4%</a:t>
+            </a:r>
+          </a:p>
+          <a:p>
+            <a:pPr lvl="1"/>
+            <a:r>
+              <a:rPr lang="en-US" sz="1400" dirty="0"/>
+              <a:t>Model Fitting</a:t>
+            </a:r>
+            <a:r>
+              <a:rPr lang="zh-CN" altLang="en-US" sz="1400" dirty="0"/>
+              <a:t> </a:t>
+            </a:r>
+            <a:r>
+              <a:rPr lang="en-US" sz="1400" dirty="0"/>
+              <a:t>time: </a:t>
+            </a:r>
+            <a:r>
+              <a:rPr lang="en-US" altLang="zh-CN" sz="1400" dirty="0"/>
+              <a:t>18.2</a:t>
+            </a:r>
+            <a:r>
+              <a:rPr lang="en-US" sz="1400" dirty="0"/>
+              <a:t>s</a:t>
+            </a:r>
+          </a:p>
+          <a:p>
+            <a:pPr lvl="1"/>
+            <a:r>
+              <a:rPr lang="en-US" sz="1400" dirty="0"/>
+              <a:t>Model</a:t>
+            </a:r>
+            <a:r>
+              <a:rPr lang="zh-CN" altLang="en-US" sz="1400" dirty="0"/>
+              <a:t> </a:t>
+            </a:r>
+            <a:r>
+              <a:rPr lang="en-US" altLang="zh-CN" sz="1400" dirty="0"/>
+              <a:t>Prediction:</a:t>
+            </a:r>
+            <a:r>
+              <a:rPr lang="zh-CN" altLang="en-US" sz="1400" dirty="0"/>
+              <a:t> </a:t>
+            </a:r>
+            <a:r>
+              <a:rPr lang="en-US" altLang="zh-CN" sz="1400" dirty="0"/>
+              <a:t>5.26s</a:t>
+            </a:r>
+            <a:endParaRPr lang="en-US" sz="1400" dirty="0"/>
+          </a:p>
+          <a:p>
+            <a:r>
+              <a:rPr lang="en-US" sz="1400" dirty="0"/>
+              <a:t>LDA</a:t>
+            </a:r>
+          </a:p>
+          <a:p>
+            <a:pPr lvl="1"/>
+            <a:r>
+              <a:rPr lang="en-US" sz="1400" dirty="0"/>
+              <a:t>Test accuracy: 53.8%</a:t>
+            </a:r>
+          </a:p>
+          <a:p>
+            <a:pPr lvl="1"/>
+            <a:r>
+              <a:rPr lang="en-US" sz="1400" dirty="0"/>
+              <a:t>Model time: </a:t>
+            </a:r>
+            <a:r>
+              <a:rPr lang="en-US" altLang="zh-CN" sz="1400" dirty="0"/>
+              <a:t>1.15</a:t>
+            </a:r>
+            <a:r>
+              <a:rPr lang="en-US" sz="1400" dirty="0"/>
+              <a:t> minutes</a:t>
+            </a:r>
+          </a:p>
+          <a:p>
+            <a:r>
+              <a:rPr lang="en-US" sz="1400" dirty="0" err="1"/>
+              <a:t>XGBoost</a:t>
+            </a:r>
+            <a:endParaRPr lang="en-US" sz="1400" dirty="0"/>
+          </a:p>
+          <a:p>
+            <a:pPr lvl="1"/>
+            <a:r>
+              <a:rPr lang="en-US" sz="1400" dirty="0"/>
+              <a:t>Test accuracy: 49.2% </a:t>
+            </a:r>
+          </a:p>
+          <a:p>
+            <a:pPr lvl="1"/>
+            <a:r>
+              <a:rPr lang="en-US" sz="1400" dirty="0"/>
+              <a:t>Model </a:t>
+            </a:r>
+            <a:r>
+              <a:rPr lang="en-US" altLang="zh-CN" sz="1400" dirty="0"/>
+              <a:t>Fitting</a:t>
+            </a:r>
+            <a:r>
+              <a:rPr lang="zh-CN" altLang="en-US" sz="1400" dirty="0"/>
+              <a:t> </a:t>
+            </a:r>
+            <a:r>
+              <a:rPr lang="en-US" sz="1400" dirty="0"/>
+              <a:t>time: 3</a:t>
+            </a:r>
+            <a:r>
+              <a:rPr lang="en-US" altLang="zh-CN" sz="1400" dirty="0"/>
+              <a:t>3</a:t>
+            </a:r>
+            <a:r>
+              <a:rPr lang="zh-CN" altLang="en-US" sz="1400" dirty="0"/>
+              <a:t> </a:t>
+            </a:r>
+            <a:r>
+              <a:rPr lang="en-US" altLang="zh-CN" sz="1400" dirty="0"/>
+              <a:t>min</a:t>
+            </a:r>
+            <a:r>
+              <a:rPr lang="en-US" sz="1400" dirty="0"/>
+              <a:t>utes</a:t>
+            </a:r>
+          </a:p>
+          <a:p>
+            <a:pPr lvl="1"/>
+            <a:r>
+              <a:rPr lang="en-US" altLang="zh-CN" sz="1400" dirty="0"/>
+              <a:t>Model</a:t>
+            </a:r>
+            <a:r>
+              <a:rPr lang="zh-CN" altLang="en-US" sz="1400" dirty="0"/>
+              <a:t> </a:t>
+            </a:r>
+            <a:r>
+              <a:rPr lang="en-US" altLang="zh-CN" sz="1400" dirty="0"/>
+              <a:t>Prediction:</a:t>
+            </a:r>
+            <a:r>
+              <a:rPr lang="zh-CN" altLang="en-US" sz="1400" dirty="0"/>
+              <a:t> </a:t>
+            </a:r>
+            <a:r>
+              <a:rPr lang="en-US" altLang="zh-CN" sz="1400" dirty="0"/>
+              <a:t>1.18s</a:t>
+            </a:r>
+            <a:endParaRPr lang="en-US" sz="1400" dirty="0"/>
+          </a:p>
+          <a:p>
+            <a:r>
+              <a:rPr lang="en-US" altLang="zh-CN" sz="1400" dirty="0"/>
+              <a:t>Logistic</a:t>
+            </a:r>
+            <a:r>
+              <a:rPr lang="zh-CN" altLang="en-US" sz="1400" dirty="0"/>
+              <a:t> </a:t>
+            </a:r>
+            <a:r>
+              <a:rPr lang="en-US" altLang="zh-CN" sz="1400" dirty="0"/>
+              <a:t>Regression</a:t>
+            </a:r>
+          </a:p>
+          <a:p>
+            <a:pPr lvl="1"/>
+            <a:r>
+              <a:rPr lang="en-US" sz="1400" dirty="0"/>
+              <a:t>Test accuracy: </a:t>
+            </a:r>
+            <a:r>
+              <a:rPr lang="en-US" altLang="zh-CN" sz="1400" dirty="0"/>
+              <a:t>51.4</a:t>
+            </a:r>
+            <a:r>
+              <a:rPr lang="en-US" sz="1400" dirty="0"/>
+              <a:t>% </a:t>
+            </a:r>
+          </a:p>
+          <a:p>
+            <a:pPr lvl="1"/>
+            <a:r>
+              <a:rPr lang="en-US" sz="1400" dirty="0"/>
+              <a:t>Model </a:t>
+            </a:r>
+            <a:r>
+              <a:rPr lang="en-US" altLang="zh-CN" sz="1400" dirty="0"/>
+              <a:t>Fitting</a:t>
+            </a:r>
+            <a:r>
+              <a:rPr lang="zh-CN" altLang="en-US" sz="1400" dirty="0"/>
+              <a:t> </a:t>
+            </a:r>
+            <a:r>
+              <a:rPr lang="en-US" sz="1400" dirty="0"/>
+              <a:t>time: </a:t>
+            </a:r>
+            <a:r>
+              <a:rPr lang="en-US" altLang="zh-CN" sz="1400" dirty="0"/>
+              <a:t>15</a:t>
+            </a:r>
+            <a:r>
+              <a:rPr lang="zh-CN" altLang="en-US" sz="1400" dirty="0"/>
+              <a:t> </a:t>
+            </a:r>
+            <a:r>
+              <a:rPr lang="en-US" altLang="zh-CN" sz="1400" dirty="0"/>
+              <a:t>s</a:t>
+            </a:r>
+            <a:endParaRPr lang="en-US" sz="1400" dirty="0"/>
+          </a:p>
+          <a:p>
+            <a:pPr lvl="1"/>
+            <a:r>
+              <a:rPr lang="en-US" altLang="zh-CN" sz="1400" dirty="0"/>
+              <a:t>Model</a:t>
+            </a:r>
+            <a:r>
+              <a:rPr lang="zh-CN" altLang="en-US" sz="1400" dirty="0"/>
+              <a:t> </a:t>
+            </a:r>
+            <a:r>
+              <a:rPr lang="en-US" altLang="zh-CN" sz="1400" dirty="0"/>
+              <a:t>Prediction:</a:t>
+            </a:r>
+            <a:r>
+              <a:rPr lang="zh-CN" altLang="en-US" sz="1400" dirty="0"/>
+              <a:t> </a:t>
+            </a:r>
+            <a:r>
+              <a:rPr lang="en-US" altLang="zh-CN" sz="1400" dirty="0"/>
+              <a:t>0.0084s</a:t>
+            </a:r>
+            <a:endParaRPr lang="en-US" sz="1400" dirty="0"/>
+          </a:p>
+          <a:p>
+            <a:r>
+              <a:rPr lang="en-US" sz="1400" dirty="0"/>
+              <a:t>Random forest</a:t>
+            </a:r>
+          </a:p>
+          <a:p>
+            <a:pPr lvl="1"/>
+            <a:r>
+              <a:rPr lang="en-US" sz="1400" dirty="0"/>
+              <a:t>Test accuracy: 4</a:t>
+            </a:r>
+            <a:r>
+              <a:rPr lang="en-US" altLang="zh-CN" sz="1400" dirty="0"/>
+              <a:t>3</a:t>
+            </a:r>
+            <a:r>
+              <a:rPr lang="en-US" sz="1400" dirty="0"/>
+              <a:t>.0% </a:t>
+            </a:r>
+          </a:p>
+          <a:p>
+            <a:pPr lvl="1"/>
+            <a:r>
+              <a:rPr lang="en-US" sz="1400" dirty="0"/>
+              <a:t>Model </a:t>
+            </a:r>
+            <a:r>
+              <a:rPr lang="en-US" altLang="zh-CN" sz="1400" dirty="0"/>
+              <a:t>Fitting</a:t>
+            </a:r>
+            <a:r>
+              <a:rPr lang="zh-CN" altLang="en-US" sz="1400" dirty="0"/>
+              <a:t> </a:t>
+            </a:r>
+            <a:r>
+              <a:rPr lang="en-US" sz="1400" dirty="0"/>
+              <a:t>Time: </a:t>
+            </a:r>
+            <a:r>
+              <a:rPr lang="en-US" altLang="zh-CN" sz="1400" dirty="0"/>
+              <a:t>7.9</a:t>
+            </a:r>
+            <a:r>
+              <a:rPr lang="en-US" sz="1400" dirty="0"/>
+              <a:t> seconds</a:t>
+            </a:r>
+          </a:p>
+          <a:p>
+            <a:pPr lvl="1"/>
+            <a:r>
+              <a:rPr lang="en-US" altLang="zh-CN" sz="1400" dirty="0"/>
+              <a:t>Model</a:t>
+            </a:r>
+            <a:r>
+              <a:rPr lang="zh-CN" altLang="en-US" sz="1400" dirty="0"/>
+              <a:t> </a:t>
+            </a:r>
+            <a:r>
+              <a:rPr lang="en-US" altLang="zh-CN" sz="1400" dirty="0"/>
+              <a:t>Prediction:</a:t>
+            </a:r>
+            <a:r>
+              <a:rPr lang="zh-CN" altLang="en-US" sz="1400" dirty="0"/>
+              <a:t> </a:t>
+            </a:r>
+            <a:r>
+              <a:rPr lang="en-US" altLang="zh-CN" sz="1400" dirty="0"/>
+              <a:t>0.04s</a:t>
+            </a:r>
+          </a:p>
+        </p:txBody>
+      </p:sp>
       <p:sp>
         <p:nvSpPr>
           <p:cNvPr id="5" name="TextBox 4">
@@ -5287,7 +5643,7 @@
         </p:nvSpPr>
         <p:spPr>
           <a:xfrm>
-            <a:off x="4765040" y="2330014"/>
+            <a:off x="4494731" y="2173909"/>
             <a:ext cx="1981120" cy="369332"/>
           </a:xfrm>
           <a:prstGeom prst="rect">
@@ -5302,16 +5658,48 @@
           <a:lstStyle/>
           <a:p>
             <a:r>
-              <a:rPr lang="en-US" dirty="0">
-                <a:solidFill>
-                  <a:schemeClr val="bg1"/>
-                </a:solidFill>
-              </a:rPr>
+              <a:rPr lang="en-US" dirty="0"/>
               <a:t>Comparison Matrix</a:t>
             </a:r>
           </a:p>
         </p:txBody>
       </p:sp>
+      <p:pic>
+        <p:nvPicPr>
+          <p:cNvPr id="7" name="Picture 6" descr="A screenshot of a cell phone&#10;&#10;Description automatically generated">
+            <a:extLst>
+              <a:ext uri="{FF2B5EF4-FFF2-40B4-BE49-F238E27FC236}">
+                <a16:creationId xmlns:a16="http://schemas.microsoft.com/office/drawing/2014/main" id="{E27C222E-66B1-6F4D-9B6C-6D00DA546340}"/>
+              </a:ext>
+            </a:extLst>
+          </p:cNvPr>
+          <p:cNvPicPr>
+            <a:picLocks noChangeAspect="1"/>
+          </p:cNvPicPr>
+          <p:nvPr/>
+        </p:nvPicPr>
+        <p:blipFill>
+          <a:blip r:embed="rId2">
+            <a:extLst>
+              <a:ext uri="{28A0092B-C50C-407E-A947-70E740481C1C}">
+                <a14:useLocalDpi xmlns:a14="http://schemas.microsoft.com/office/drawing/2010/main" val="0"/>
+              </a:ext>
+            </a:extLst>
+          </a:blip>
+          <a:stretch>
+            <a:fillRect/>
+          </a:stretch>
+        </p:blipFill>
+        <p:spPr>
+          <a:xfrm>
+            <a:off x="4178853" y="2876068"/>
+            <a:ext cx="7505999" cy="2459736"/>
+          </a:xfrm>
+          <a:prstGeom prst="rect">
+            <a:avLst/>
+          </a:prstGeom>
+        </p:spPr>
+      </p:pic>
     </p:spTree>
     <p:extLst>
       <p:ext uri="{BB962C8B-B14F-4D97-AF65-F5344CB8AC3E}">

--- a/doc/Project 3- Image Classification.pptx
+++ b/doc/Project 3- Image Classification.pptx
@@ -4318,7 +4318,7 @@
         </p:spPr>
         <p:txBody>
           <a:bodyPr>
-            <a:normAutofit fontScale="92500" lnSpcReduction="10000"/>
+            <a:normAutofit fontScale="92500" lnSpcReduction="20000"/>
           </a:bodyPr>
           <a:lstStyle/>
           <a:p>
@@ -4366,10 +4366,22 @@
               <a:rPr lang="en-US" altLang="zh-CN" dirty="0"/>
               <a:t>1</a:t>
             </a:r>
-            <a:endParaRPr lang="en-US" dirty="0"/>
           </a:p>
           <a:p>
             <a:pPr lvl="1"/>
+            <a:r>
+              <a:rPr lang="en-US" dirty="0" err="1"/>
+              <a:t>learning_rate</a:t>
+            </a:r>
+            <a:r>
+              <a:rPr lang="en-US" dirty="0"/>
+              <a:t>=0.1</a:t>
+            </a:r>
+          </a:p>
+          <a:p>
+            <a:pPr marL="457200" lvl="1" indent="0">
+              <a:buNone/>
+            </a:pPr>
             <a:endParaRPr lang="en-US" dirty="0"/>
           </a:p>
           <a:p>
@@ -4389,7 +4401,7 @@
             <a:pPr lvl="1"/>
             <a:r>
               <a:rPr lang="en-US" b="1" dirty="0"/>
-              <a:t>Time for mode: </a:t>
+              <a:t>Time for fitting: </a:t>
             </a:r>
             <a:r>
               <a:rPr lang="en-US" altLang="zh-CN" b="1" dirty="0"/>
@@ -4399,6 +4411,38 @@
               <a:rPr lang="en-US" b="1" dirty="0"/>
               <a:t> Minutes</a:t>
             </a:r>
+          </a:p>
+          <a:p>
+            <a:pPr lvl="1"/>
+            <a:r>
+              <a:rPr lang="en-US" b="1" dirty="0"/>
+              <a:t>Time</a:t>
+            </a:r>
+            <a:r>
+              <a:rPr lang="zh-CN" altLang="en-US" b="1" dirty="0"/>
+              <a:t> </a:t>
+            </a:r>
+            <a:r>
+              <a:rPr lang="en-US" altLang="zh-CN" b="1" dirty="0"/>
+              <a:t>for</a:t>
+            </a:r>
+            <a:r>
+              <a:rPr lang="zh-CN" altLang="en-US" b="1" dirty="0"/>
+              <a:t> </a:t>
+            </a:r>
+            <a:r>
+              <a:rPr lang="en-US" altLang="zh-CN" b="1" dirty="0"/>
+              <a:t>prediction:</a:t>
+            </a:r>
+            <a:r>
+              <a:rPr lang="zh-CN" altLang="en-US" b="1" dirty="0"/>
+              <a:t> </a:t>
+            </a:r>
+            <a:r>
+              <a:rPr lang="en-US" altLang="zh-CN" b="1" dirty="0"/>
+              <a:t>0.036s</a:t>
+            </a:r>
+            <a:endParaRPr lang="en-US" b="1" dirty="0"/>
           </a:p>
           <a:p>
             <a:pPr lvl="1"/>
@@ -4754,7 +4798,7 @@
         <p:spPr>
           <a:xfrm>
             <a:off x="227330" y="3757023"/>
-            <a:ext cx="6903402" cy="2769989"/>
+            <a:ext cx="6903402" cy="3108543"/>
           </a:xfrm>
           <a:prstGeom prst="rect">
             <a:avLst/>
@@ -4822,12 +4866,56 @@
             <a:pPr lvl="1"/>
             <a:r>
               <a:rPr lang="en-US" sz="2200" b="1" dirty="0"/>
-              <a:t>Time taken for model: 11.24 minutes </a:t>
+              <a:t>Time for</a:t>
+            </a:r>
+            <a:r>
+              <a:rPr lang="zh-CN" altLang="en-US" sz="2200" b="1" dirty="0"/>
+              <a:t> </a:t>
+            </a:r>
+            <a:r>
+              <a:rPr lang="en-US" altLang="zh-CN" sz="2200" b="1" dirty="0"/>
+              <a:t>fitting</a:t>
+            </a:r>
+            <a:r>
+              <a:rPr lang="en-US" sz="2200" b="1" dirty="0"/>
+              <a:t> model: 11.24 minutes </a:t>
             </a:r>
             <a:r>
               <a:rPr lang="en-US" sz="2200" dirty="0"/>
               <a:t> </a:t>
             </a:r>
+          </a:p>
+          <a:p>
+            <a:pPr lvl="1"/>
+            <a:r>
+              <a:rPr lang="en-US" altLang="zh-CN" sz="2200" b="1" dirty="0"/>
+              <a:t>Time</a:t>
+            </a:r>
+            <a:r>
+              <a:rPr lang="zh-CN" altLang="en-US" sz="2200" b="1" dirty="0"/>
+              <a:t> </a:t>
+            </a:r>
+            <a:r>
+              <a:rPr lang="en-US" altLang="zh-CN" sz="2200" b="1" dirty="0"/>
+              <a:t>for</a:t>
+            </a:r>
+            <a:r>
+              <a:rPr lang="zh-CN" altLang="en-US" sz="2200" b="1" dirty="0"/>
+              <a:t> </a:t>
+            </a:r>
+            <a:r>
+              <a:rPr lang="en-US" altLang="zh-CN" sz="2200" b="1" dirty="0"/>
+              <a:t>prediction:</a:t>
+            </a:r>
+            <a:r>
+              <a:rPr lang="zh-CN" altLang="en-US" sz="2200" b="1" dirty="0"/>
+              <a:t> </a:t>
+            </a:r>
+            <a:r>
+              <a:rPr lang="en-US" altLang="zh-CN" sz="2200" b="1" dirty="0"/>
+              <a:t>0.9s</a:t>
+            </a:r>
+            <a:endParaRPr lang="en-US" sz="2200" b="1" dirty="0"/>
           </a:p>
           <a:p>
             <a:endParaRPr lang="en-US" dirty="0"/>
@@ -5017,8 +5105,8 @@
         </p:nvSpPr>
         <p:spPr>
           <a:xfrm>
-            <a:off x="838200" y="4056936"/>
-            <a:ext cx="4526280" cy="2831544"/>
+            <a:off x="838200" y="3747157"/>
+            <a:ext cx="4526280" cy="3139321"/>
           </a:xfrm>
           <a:prstGeom prst="rect">
             <a:avLst/>
@@ -5104,8 +5192,47 @@
             </a:pPr>
             <a:r>
               <a:rPr lang="en-US" sz="2000" dirty="0"/>
-              <a:t>Model time: 3.07 minutes</a:t>
-            </a:r>
+              <a:t>Model </a:t>
+            </a:r>
+            <a:r>
+              <a:rPr lang="en-US" altLang="zh-CN" sz="2000" dirty="0"/>
+              <a:t>fitting</a:t>
+            </a:r>
+            <a:r>
+              <a:rPr lang="zh-CN" altLang="en-US" sz="2000" dirty="0"/>
+              <a:t> </a:t>
+            </a:r>
+            <a:r>
+              <a:rPr lang="en-US" sz="2000" dirty="0"/>
+              <a:t>time: 3.07 minutes</a:t>
+            </a:r>
+          </a:p>
+          <a:p>
+            <a:pPr marL="742950" lvl="1" indent="-285750">
+              <a:buFont typeface="Arial" panose="020B0604020202020204" pitchFamily="34" charset="0"/>
+              <a:buChar char="•"/>
+            </a:pPr>
+            <a:r>
+              <a:rPr lang="en-US" altLang="zh-CN" sz="2000" dirty="0"/>
+              <a:t>Model</a:t>
+            </a:r>
+            <a:r>
+              <a:rPr lang="zh-CN" altLang="en-US" sz="2000" dirty="0"/>
+              <a:t> </a:t>
+            </a:r>
+            <a:r>
+              <a:rPr lang="en-US" altLang="zh-CN" sz="2000" dirty="0"/>
+              <a:t>prediction:</a:t>
+            </a:r>
+            <a:r>
+              <a:rPr lang="zh-CN" altLang="en-US" sz="2000" dirty="0"/>
+              <a:t> </a:t>
+            </a:r>
+            <a:r>
+              <a:rPr lang="en-US" altLang="zh-CN" sz="2000"/>
+              <a:t>6.7s</a:t>
+            </a:r>
+            <a:endParaRPr lang="en-US" sz="2000" dirty="0"/>
           </a:p>
           <a:p>
             <a:endParaRPr lang="en-US" dirty="0"/>

--- a/doc/Project 3- Image Classification.pptx
+++ b/doc/Project 3- Image Classification.pptx
@@ -490,7 +490,7 @@
           <p:cNvPr id="2" name="Title 1">
             <a:extLst>
               <a:ext uri="{FF2B5EF4-FFF2-40B4-BE49-F238E27FC236}">
-                <a16:creationId xmlns:a16="http://schemas.microsoft.com/office/drawing/2014/main" xmlns="" id="{A26A0E53-8460-4535-A08A-EF845CD5A928}"/>
+                <a16:creationId xmlns:a16="http://schemas.microsoft.com/office/drawing/2014/main" id="{A26A0E53-8460-4535-A08A-EF845CD5A928}"/>
               </a:ext>
             </a:extLst>
           </p:cNvPr>
@@ -527,7 +527,7 @@
           <p:cNvPr id="3" name="Subtitle 2">
             <a:extLst>
               <a:ext uri="{FF2B5EF4-FFF2-40B4-BE49-F238E27FC236}">
-                <a16:creationId xmlns:a16="http://schemas.microsoft.com/office/drawing/2014/main" xmlns="" id="{209964E6-0BDD-47D7-A8BC-6320B4F7E3AC}"/>
+                <a16:creationId xmlns:a16="http://schemas.microsoft.com/office/drawing/2014/main" id="{209964E6-0BDD-47D7-A8BC-6320B4F7E3AC}"/>
               </a:ext>
             </a:extLst>
           </p:cNvPr>
@@ -597,7 +597,7 @@
           <p:cNvPr id="4" name="Date Placeholder 3">
             <a:extLst>
               <a:ext uri="{FF2B5EF4-FFF2-40B4-BE49-F238E27FC236}">
-                <a16:creationId xmlns:a16="http://schemas.microsoft.com/office/drawing/2014/main" xmlns="" id="{0751CE6C-1644-45C9-9754-D87DDB13D83B}"/>
+                <a16:creationId xmlns:a16="http://schemas.microsoft.com/office/drawing/2014/main" id="{0751CE6C-1644-45C9-9754-D87DDB13D83B}"/>
               </a:ext>
             </a:extLst>
           </p:cNvPr>
@@ -615,7 +615,7 @@
           <a:p>
             <a:fld id="{DF136250-D4A9-407B-8303-3F899433A848}" type="datetimeFigureOut">
               <a:rPr lang="en-US" smtClean="0"/>
-              <a:t>3/31/20</a:t>
+              <a:t>4/1/20</a:t>
             </a:fld>
             <a:endParaRPr lang="en-US"/>
           </a:p>
@@ -626,7 +626,7 @@
           <p:cNvPr id="5" name="Footer Placeholder 4">
             <a:extLst>
               <a:ext uri="{FF2B5EF4-FFF2-40B4-BE49-F238E27FC236}">
-                <a16:creationId xmlns:a16="http://schemas.microsoft.com/office/drawing/2014/main" xmlns="" id="{382BB654-8DED-4DFE-B168-B20B2306FFC2}"/>
+                <a16:creationId xmlns:a16="http://schemas.microsoft.com/office/drawing/2014/main" id="{382BB654-8DED-4DFE-B168-B20B2306FFC2}"/>
               </a:ext>
             </a:extLst>
           </p:cNvPr>
@@ -651,7 +651,7 @@
           <p:cNvPr id="6" name="Slide Number Placeholder 5">
             <a:extLst>
               <a:ext uri="{FF2B5EF4-FFF2-40B4-BE49-F238E27FC236}">
-                <a16:creationId xmlns:a16="http://schemas.microsoft.com/office/drawing/2014/main" xmlns="" id="{3625CA22-C1B5-4658-B016-82D5AA651DBF}"/>
+                <a16:creationId xmlns:a16="http://schemas.microsoft.com/office/drawing/2014/main" id="{3625CA22-C1B5-4658-B016-82D5AA651DBF}"/>
               </a:ext>
             </a:extLst>
           </p:cNvPr>
@@ -710,7 +710,7 @@
           <p:cNvPr id="2" name="Title 1">
             <a:extLst>
               <a:ext uri="{FF2B5EF4-FFF2-40B4-BE49-F238E27FC236}">
-                <a16:creationId xmlns:a16="http://schemas.microsoft.com/office/drawing/2014/main" xmlns="" id="{3D5FF66D-BB2E-434A-9967-40DEF6FADDA0}"/>
+                <a16:creationId xmlns:a16="http://schemas.microsoft.com/office/drawing/2014/main" id="{3D5FF66D-BB2E-434A-9967-40DEF6FADDA0}"/>
               </a:ext>
             </a:extLst>
           </p:cNvPr>
@@ -738,7 +738,7 @@
           <p:cNvPr id="3" name="Vertical Text Placeholder 2">
             <a:extLst>
               <a:ext uri="{FF2B5EF4-FFF2-40B4-BE49-F238E27FC236}">
-                <a16:creationId xmlns:a16="http://schemas.microsoft.com/office/drawing/2014/main" xmlns="" id="{22BAE692-020D-4778-ADA9-FC62AFC89D9E}"/>
+                <a16:creationId xmlns:a16="http://schemas.microsoft.com/office/drawing/2014/main" id="{22BAE692-020D-4778-ADA9-FC62AFC89D9E}"/>
               </a:ext>
             </a:extLst>
           </p:cNvPr>
@@ -795,7 +795,7 @@
           <p:cNvPr id="4" name="Date Placeholder 3">
             <a:extLst>
               <a:ext uri="{FF2B5EF4-FFF2-40B4-BE49-F238E27FC236}">
-                <a16:creationId xmlns:a16="http://schemas.microsoft.com/office/drawing/2014/main" xmlns="" id="{72E78E29-BE49-4F09-B90F-0378618D0509}"/>
+                <a16:creationId xmlns:a16="http://schemas.microsoft.com/office/drawing/2014/main" id="{72E78E29-BE49-4F09-B90F-0378618D0509}"/>
               </a:ext>
             </a:extLst>
           </p:cNvPr>
@@ -813,7 +813,7 @@
           <a:p>
             <a:fld id="{DF136250-D4A9-407B-8303-3F899433A848}" type="datetimeFigureOut">
               <a:rPr lang="en-US" smtClean="0"/>
-              <a:t>3/31/20</a:t>
+              <a:t>4/1/20</a:t>
             </a:fld>
             <a:endParaRPr lang="en-US"/>
           </a:p>
@@ -824,7 +824,7 @@
           <p:cNvPr id="5" name="Footer Placeholder 4">
             <a:extLst>
               <a:ext uri="{FF2B5EF4-FFF2-40B4-BE49-F238E27FC236}">
-                <a16:creationId xmlns:a16="http://schemas.microsoft.com/office/drawing/2014/main" xmlns="" id="{B136498D-2AD3-4132-8C8A-54746BA567FD}"/>
+                <a16:creationId xmlns:a16="http://schemas.microsoft.com/office/drawing/2014/main" id="{B136498D-2AD3-4132-8C8A-54746BA567FD}"/>
               </a:ext>
             </a:extLst>
           </p:cNvPr>
@@ -849,7 +849,7 @@
           <p:cNvPr id="6" name="Slide Number Placeholder 5">
             <a:extLst>
               <a:ext uri="{FF2B5EF4-FFF2-40B4-BE49-F238E27FC236}">
-                <a16:creationId xmlns:a16="http://schemas.microsoft.com/office/drawing/2014/main" xmlns="" id="{13230C6D-5D71-423B-8BE1-71D998C5E0F6}"/>
+                <a16:creationId xmlns:a16="http://schemas.microsoft.com/office/drawing/2014/main" id="{13230C6D-5D71-423B-8BE1-71D998C5E0F6}"/>
               </a:ext>
             </a:extLst>
           </p:cNvPr>
@@ -908,7 +908,7 @@
           <p:cNvPr id="2" name="Vertical Title 1">
             <a:extLst>
               <a:ext uri="{FF2B5EF4-FFF2-40B4-BE49-F238E27FC236}">
-                <a16:creationId xmlns:a16="http://schemas.microsoft.com/office/drawing/2014/main" xmlns="" id="{CE3D6344-5435-43F5-A4CE-5E6461D45D3B}"/>
+                <a16:creationId xmlns:a16="http://schemas.microsoft.com/office/drawing/2014/main" id="{CE3D6344-5435-43F5-A4CE-5E6461D45D3B}"/>
               </a:ext>
             </a:extLst>
           </p:cNvPr>
@@ -941,7 +941,7 @@
           <p:cNvPr id="3" name="Vertical Text Placeholder 2">
             <a:extLst>
               <a:ext uri="{FF2B5EF4-FFF2-40B4-BE49-F238E27FC236}">
-                <a16:creationId xmlns:a16="http://schemas.microsoft.com/office/drawing/2014/main" xmlns="" id="{B2E9FE99-0661-4A33-B564-ECBB5E43A678}"/>
+                <a16:creationId xmlns:a16="http://schemas.microsoft.com/office/drawing/2014/main" id="{B2E9FE99-0661-4A33-B564-ECBB5E43A678}"/>
               </a:ext>
             </a:extLst>
           </p:cNvPr>
@@ -1003,7 +1003,7 @@
           <p:cNvPr id="4" name="Date Placeholder 3">
             <a:extLst>
               <a:ext uri="{FF2B5EF4-FFF2-40B4-BE49-F238E27FC236}">
-                <a16:creationId xmlns:a16="http://schemas.microsoft.com/office/drawing/2014/main" xmlns="" id="{B25258BA-0FB4-48B5-BB1E-51DD989E4084}"/>
+                <a16:creationId xmlns:a16="http://schemas.microsoft.com/office/drawing/2014/main" id="{B25258BA-0FB4-48B5-BB1E-51DD989E4084}"/>
               </a:ext>
             </a:extLst>
           </p:cNvPr>
@@ -1021,7 +1021,7 @@
           <a:p>
             <a:fld id="{DF136250-D4A9-407B-8303-3F899433A848}" type="datetimeFigureOut">
               <a:rPr lang="en-US" smtClean="0"/>
-              <a:t>3/31/20</a:t>
+              <a:t>4/1/20</a:t>
             </a:fld>
             <a:endParaRPr lang="en-US"/>
           </a:p>
@@ -1032,7 +1032,7 @@
           <p:cNvPr id="5" name="Footer Placeholder 4">
             <a:extLst>
               <a:ext uri="{FF2B5EF4-FFF2-40B4-BE49-F238E27FC236}">
-                <a16:creationId xmlns:a16="http://schemas.microsoft.com/office/drawing/2014/main" xmlns="" id="{EB8620CB-A4DD-4878-8B8E-A62BE0506B93}"/>
+                <a16:creationId xmlns:a16="http://schemas.microsoft.com/office/drawing/2014/main" id="{EB8620CB-A4DD-4878-8B8E-A62BE0506B93}"/>
               </a:ext>
             </a:extLst>
           </p:cNvPr>
@@ -1057,7 +1057,7 @@
           <p:cNvPr id="6" name="Slide Number Placeholder 5">
             <a:extLst>
               <a:ext uri="{FF2B5EF4-FFF2-40B4-BE49-F238E27FC236}">
-                <a16:creationId xmlns:a16="http://schemas.microsoft.com/office/drawing/2014/main" xmlns="" id="{7C393026-AAB9-48C9-8AC6-69EEFEA35CAD}"/>
+                <a16:creationId xmlns:a16="http://schemas.microsoft.com/office/drawing/2014/main" id="{7C393026-AAB9-48C9-8AC6-69EEFEA35CAD}"/>
               </a:ext>
             </a:extLst>
           </p:cNvPr>
@@ -1116,7 +1116,7 @@
           <p:cNvPr id="2" name="Title 1">
             <a:extLst>
               <a:ext uri="{FF2B5EF4-FFF2-40B4-BE49-F238E27FC236}">
-                <a16:creationId xmlns:a16="http://schemas.microsoft.com/office/drawing/2014/main" xmlns="" id="{8914A68A-71AB-4232-889D-5FBD14332BB9}"/>
+                <a16:creationId xmlns:a16="http://schemas.microsoft.com/office/drawing/2014/main" id="{8914A68A-71AB-4232-889D-5FBD14332BB9}"/>
               </a:ext>
             </a:extLst>
           </p:cNvPr>
@@ -1144,7 +1144,7 @@
           <p:cNvPr id="3" name="Content Placeholder 2">
             <a:extLst>
               <a:ext uri="{FF2B5EF4-FFF2-40B4-BE49-F238E27FC236}">
-                <a16:creationId xmlns:a16="http://schemas.microsoft.com/office/drawing/2014/main" xmlns="" id="{D5D9D752-DA2E-4921-AA10-C90B0F6EBA72}"/>
+                <a16:creationId xmlns:a16="http://schemas.microsoft.com/office/drawing/2014/main" id="{D5D9D752-DA2E-4921-AA10-C90B0F6EBA72}"/>
               </a:ext>
             </a:extLst>
           </p:cNvPr>
@@ -1201,7 +1201,7 @@
           <p:cNvPr id="4" name="Date Placeholder 3">
             <a:extLst>
               <a:ext uri="{FF2B5EF4-FFF2-40B4-BE49-F238E27FC236}">
-                <a16:creationId xmlns:a16="http://schemas.microsoft.com/office/drawing/2014/main" xmlns="" id="{F007CEEE-E4F6-4D29-A9F8-DBAFB975BB32}"/>
+                <a16:creationId xmlns:a16="http://schemas.microsoft.com/office/drawing/2014/main" id="{F007CEEE-E4F6-4D29-A9F8-DBAFB975BB32}"/>
               </a:ext>
             </a:extLst>
           </p:cNvPr>
@@ -1219,7 +1219,7 @@
           <a:p>
             <a:fld id="{DF136250-D4A9-407B-8303-3F899433A848}" type="datetimeFigureOut">
               <a:rPr lang="en-US" smtClean="0"/>
-              <a:t>3/31/20</a:t>
+              <a:t>4/1/20</a:t>
             </a:fld>
             <a:endParaRPr lang="en-US"/>
           </a:p>
@@ -1230,7 +1230,7 @@
           <p:cNvPr id="5" name="Footer Placeholder 4">
             <a:extLst>
               <a:ext uri="{FF2B5EF4-FFF2-40B4-BE49-F238E27FC236}">
-                <a16:creationId xmlns:a16="http://schemas.microsoft.com/office/drawing/2014/main" xmlns="" id="{34A5F20C-CB7F-4897-9255-CDE2FE73FFFC}"/>
+                <a16:creationId xmlns:a16="http://schemas.microsoft.com/office/drawing/2014/main" id="{34A5F20C-CB7F-4897-9255-CDE2FE73FFFC}"/>
               </a:ext>
             </a:extLst>
           </p:cNvPr>
@@ -1255,7 +1255,7 @@
           <p:cNvPr id="6" name="Slide Number Placeholder 5">
             <a:extLst>
               <a:ext uri="{FF2B5EF4-FFF2-40B4-BE49-F238E27FC236}">
-                <a16:creationId xmlns:a16="http://schemas.microsoft.com/office/drawing/2014/main" xmlns="" id="{8E32A15B-5D7C-4999-9256-2306E3956CD2}"/>
+                <a16:creationId xmlns:a16="http://schemas.microsoft.com/office/drawing/2014/main" id="{8E32A15B-5D7C-4999-9256-2306E3956CD2}"/>
               </a:ext>
             </a:extLst>
           </p:cNvPr>
@@ -1314,7 +1314,7 @@
           <p:cNvPr id="2" name="Title 1">
             <a:extLst>
               <a:ext uri="{FF2B5EF4-FFF2-40B4-BE49-F238E27FC236}">
-                <a16:creationId xmlns:a16="http://schemas.microsoft.com/office/drawing/2014/main" xmlns="" id="{BDC30A6D-C938-4C68-8163-7E8EB5A807CC}"/>
+                <a16:creationId xmlns:a16="http://schemas.microsoft.com/office/drawing/2014/main" id="{BDC30A6D-C938-4C68-8163-7E8EB5A807CC}"/>
               </a:ext>
             </a:extLst>
           </p:cNvPr>
@@ -1351,7 +1351,7 @@
           <p:cNvPr id="3" name="Text Placeholder 2">
             <a:extLst>
               <a:ext uri="{FF2B5EF4-FFF2-40B4-BE49-F238E27FC236}">
-                <a16:creationId xmlns:a16="http://schemas.microsoft.com/office/drawing/2014/main" xmlns="" id="{98852D30-37D5-4BD4-8890-FE6BCBFD14E3}"/>
+                <a16:creationId xmlns:a16="http://schemas.microsoft.com/office/drawing/2014/main" id="{98852D30-37D5-4BD4-8890-FE6BCBFD14E3}"/>
               </a:ext>
             </a:extLst>
           </p:cNvPr>
@@ -1476,7 +1476,7 @@
           <p:cNvPr id="4" name="Date Placeholder 3">
             <a:extLst>
               <a:ext uri="{FF2B5EF4-FFF2-40B4-BE49-F238E27FC236}">
-                <a16:creationId xmlns:a16="http://schemas.microsoft.com/office/drawing/2014/main" xmlns="" id="{39DE9A7B-134C-44EE-8DA4-B78E14CCB83B}"/>
+                <a16:creationId xmlns:a16="http://schemas.microsoft.com/office/drawing/2014/main" id="{39DE9A7B-134C-44EE-8DA4-B78E14CCB83B}"/>
               </a:ext>
             </a:extLst>
           </p:cNvPr>
@@ -1494,7 +1494,7 @@
           <a:p>
             <a:fld id="{DF136250-D4A9-407B-8303-3F899433A848}" type="datetimeFigureOut">
               <a:rPr lang="en-US" smtClean="0"/>
-              <a:t>3/31/20</a:t>
+              <a:t>4/1/20</a:t>
             </a:fld>
             <a:endParaRPr lang="en-US"/>
           </a:p>
@@ -1505,7 +1505,7 @@
           <p:cNvPr id="5" name="Footer Placeholder 4">
             <a:extLst>
               <a:ext uri="{FF2B5EF4-FFF2-40B4-BE49-F238E27FC236}">
-                <a16:creationId xmlns:a16="http://schemas.microsoft.com/office/drawing/2014/main" xmlns="" id="{B235D932-528A-4007-A1DC-CAEBC7523B23}"/>
+                <a16:creationId xmlns:a16="http://schemas.microsoft.com/office/drawing/2014/main" id="{B235D932-528A-4007-A1DC-CAEBC7523B23}"/>
               </a:ext>
             </a:extLst>
           </p:cNvPr>
@@ -1530,7 +1530,7 @@
           <p:cNvPr id="6" name="Slide Number Placeholder 5">
             <a:extLst>
               <a:ext uri="{FF2B5EF4-FFF2-40B4-BE49-F238E27FC236}">
-                <a16:creationId xmlns:a16="http://schemas.microsoft.com/office/drawing/2014/main" xmlns="" id="{C49FA234-C859-4A48-AF85-A66953CC0646}"/>
+                <a16:creationId xmlns:a16="http://schemas.microsoft.com/office/drawing/2014/main" id="{C49FA234-C859-4A48-AF85-A66953CC0646}"/>
               </a:ext>
             </a:extLst>
           </p:cNvPr>
@@ -1589,7 +1589,7 @@
           <p:cNvPr id="2" name="Title 1">
             <a:extLst>
               <a:ext uri="{FF2B5EF4-FFF2-40B4-BE49-F238E27FC236}">
-                <a16:creationId xmlns:a16="http://schemas.microsoft.com/office/drawing/2014/main" xmlns="" id="{F5EBA5F4-EE19-4977-A8D9-94476D044F2F}"/>
+                <a16:creationId xmlns:a16="http://schemas.microsoft.com/office/drawing/2014/main" id="{F5EBA5F4-EE19-4977-A8D9-94476D044F2F}"/>
               </a:ext>
             </a:extLst>
           </p:cNvPr>
@@ -1617,7 +1617,7 @@
           <p:cNvPr id="3" name="Content Placeholder 2">
             <a:extLst>
               <a:ext uri="{FF2B5EF4-FFF2-40B4-BE49-F238E27FC236}">
-                <a16:creationId xmlns:a16="http://schemas.microsoft.com/office/drawing/2014/main" xmlns="" id="{562DC628-B232-4BEE-A651-85217E8E4A15}"/>
+                <a16:creationId xmlns:a16="http://schemas.microsoft.com/office/drawing/2014/main" id="{562DC628-B232-4BEE-A651-85217E8E4A15}"/>
               </a:ext>
             </a:extLst>
           </p:cNvPr>
@@ -1679,7 +1679,7 @@
           <p:cNvPr id="4" name="Content Placeholder 3">
             <a:extLst>
               <a:ext uri="{FF2B5EF4-FFF2-40B4-BE49-F238E27FC236}">
-                <a16:creationId xmlns:a16="http://schemas.microsoft.com/office/drawing/2014/main" xmlns="" id="{B50FBA55-4F6C-4E15-8098-860BC18D20C2}"/>
+                <a16:creationId xmlns:a16="http://schemas.microsoft.com/office/drawing/2014/main" id="{B50FBA55-4F6C-4E15-8098-860BC18D20C2}"/>
               </a:ext>
             </a:extLst>
           </p:cNvPr>
@@ -1741,7 +1741,7 @@
           <p:cNvPr id="5" name="Date Placeholder 4">
             <a:extLst>
               <a:ext uri="{FF2B5EF4-FFF2-40B4-BE49-F238E27FC236}">
-                <a16:creationId xmlns:a16="http://schemas.microsoft.com/office/drawing/2014/main" xmlns="" id="{FABD5D59-B5F8-4D99-B383-CE858EA87418}"/>
+                <a16:creationId xmlns:a16="http://schemas.microsoft.com/office/drawing/2014/main" id="{FABD5D59-B5F8-4D99-B383-CE858EA87418}"/>
               </a:ext>
             </a:extLst>
           </p:cNvPr>
@@ -1759,7 +1759,7 @@
           <a:p>
             <a:fld id="{DF136250-D4A9-407B-8303-3F899433A848}" type="datetimeFigureOut">
               <a:rPr lang="en-US" smtClean="0"/>
-              <a:t>3/31/20</a:t>
+              <a:t>4/1/20</a:t>
             </a:fld>
             <a:endParaRPr lang="en-US"/>
           </a:p>
@@ -1770,7 +1770,7 @@
           <p:cNvPr id="6" name="Footer Placeholder 5">
             <a:extLst>
               <a:ext uri="{FF2B5EF4-FFF2-40B4-BE49-F238E27FC236}">
-                <a16:creationId xmlns:a16="http://schemas.microsoft.com/office/drawing/2014/main" xmlns="" id="{99434A7A-18E6-4D02-A513-094B0E4F6C23}"/>
+                <a16:creationId xmlns:a16="http://schemas.microsoft.com/office/drawing/2014/main" id="{99434A7A-18E6-4D02-A513-094B0E4F6C23}"/>
               </a:ext>
             </a:extLst>
           </p:cNvPr>
@@ -1795,7 +1795,7 @@
           <p:cNvPr id="7" name="Slide Number Placeholder 6">
             <a:extLst>
               <a:ext uri="{FF2B5EF4-FFF2-40B4-BE49-F238E27FC236}">
-                <a16:creationId xmlns:a16="http://schemas.microsoft.com/office/drawing/2014/main" xmlns="" id="{DCEAD282-9ABE-4579-8179-53E75514E24D}"/>
+                <a16:creationId xmlns:a16="http://schemas.microsoft.com/office/drawing/2014/main" id="{DCEAD282-9ABE-4579-8179-53E75514E24D}"/>
               </a:ext>
             </a:extLst>
           </p:cNvPr>
@@ -1854,7 +1854,7 @@
           <p:cNvPr id="2" name="Title 1">
             <a:extLst>
               <a:ext uri="{FF2B5EF4-FFF2-40B4-BE49-F238E27FC236}">
-                <a16:creationId xmlns:a16="http://schemas.microsoft.com/office/drawing/2014/main" xmlns="" id="{B886142E-1BE3-4BFA-AAFF-02C9440CBEA3}"/>
+                <a16:creationId xmlns:a16="http://schemas.microsoft.com/office/drawing/2014/main" id="{B886142E-1BE3-4BFA-AAFF-02C9440CBEA3}"/>
               </a:ext>
             </a:extLst>
           </p:cNvPr>
@@ -1887,7 +1887,7 @@
           <p:cNvPr id="3" name="Text Placeholder 2">
             <a:extLst>
               <a:ext uri="{FF2B5EF4-FFF2-40B4-BE49-F238E27FC236}">
-                <a16:creationId xmlns:a16="http://schemas.microsoft.com/office/drawing/2014/main" xmlns="" id="{FC3E9A39-7923-4B82-8010-AD16682B9108}"/>
+                <a16:creationId xmlns:a16="http://schemas.microsoft.com/office/drawing/2014/main" id="{FC3E9A39-7923-4B82-8010-AD16682B9108}"/>
               </a:ext>
             </a:extLst>
           </p:cNvPr>
@@ -1958,7 +1958,7 @@
           <p:cNvPr id="4" name="Content Placeholder 3">
             <a:extLst>
               <a:ext uri="{FF2B5EF4-FFF2-40B4-BE49-F238E27FC236}">
-                <a16:creationId xmlns:a16="http://schemas.microsoft.com/office/drawing/2014/main" xmlns="" id="{6A27B90A-FBBA-4C5A-BC0F-1A0333A55C02}"/>
+                <a16:creationId xmlns:a16="http://schemas.microsoft.com/office/drawing/2014/main" id="{6A27B90A-FBBA-4C5A-BC0F-1A0333A55C02}"/>
               </a:ext>
             </a:extLst>
           </p:cNvPr>
@@ -2020,7 +2020,7 @@
           <p:cNvPr id="5" name="Text Placeholder 4">
             <a:extLst>
               <a:ext uri="{FF2B5EF4-FFF2-40B4-BE49-F238E27FC236}">
-                <a16:creationId xmlns:a16="http://schemas.microsoft.com/office/drawing/2014/main" xmlns="" id="{F497CEF7-19F0-450D-9DBC-478E65276609}"/>
+                <a16:creationId xmlns:a16="http://schemas.microsoft.com/office/drawing/2014/main" id="{F497CEF7-19F0-450D-9DBC-478E65276609}"/>
               </a:ext>
             </a:extLst>
           </p:cNvPr>
@@ -2091,7 +2091,7 @@
           <p:cNvPr id="6" name="Content Placeholder 5">
             <a:extLst>
               <a:ext uri="{FF2B5EF4-FFF2-40B4-BE49-F238E27FC236}">
-                <a16:creationId xmlns:a16="http://schemas.microsoft.com/office/drawing/2014/main" xmlns="" id="{B68FBBEB-27C2-456B-8760-6284BAD04D30}"/>
+                <a16:creationId xmlns:a16="http://schemas.microsoft.com/office/drawing/2014/main" id="{B68FBBEB-27C2-456B-8760-6284BAD04D30}"/>
               </a:ext>
             </a:extLst>
           </p:cNvPr>
@@ -2153,7 +2153,7 @@
           <p:cNvPr id="7" name="Date Placeholder 6">
             <a:extLst>
               <a:ext uri="{FF2B5EF4-FFF2-40B4-BE49-F238E27FC236}">
-                <a16:creationId xmlns:a16="http://schemas.microsoft.com/office/drawing/2014/main" xmlns="" id="{30F7C2A3-8D4A-4E5A-904A-A2BCE9F2B591}"/>
+                <a16:creationId xmlns:a16="http://schemas.microsoft.com/office/drawing/2014/main" id="{30F7C2A3-8D4A-4E5A-904A-A2BCE9F2B591}"/>
               </a:ext>
             </a:extLst>
           </p:cNvPr>
@@ -2171,7 +2171,7 @@
           <a:p>
             <a:fld id="{DF136250-D4A9-407B-8303-3F899433A848}" type="datetimeFigureOut">
               <a:rPr lang="en-US" smtClean="0"/>
-              <a:t>3/31/20</a:t>
+              <a:t>4/1/20</a:t>
             </a:fld>
             <a:endParaRPr lang="en-US"/>
           </a:p>
@@ -2182,7 +2182,7 @@
           <p:cNvPr id="8" name="Footer Placeholder 7">
             <a:extLst>
               <a:ext uri="{FF2B5EF4-FFF2-40B4-BE49-F238E27FC236}">
-                <a16:creationId xmlns:a16="http://schemas.microsoft.com/office/drawing/2014/main" xmlns="" id="{5BE98554-D675-4293-BCB5-C83E1B7DBAB2}"/>
+                <a16:creationId xmlns:a16="http://schemas.microsoft.com/office/drawing/2014/main" id="{5BE98554-D675-4293-BCB5-C83E1B7DBAB2}"/>
               </a:ext>
             </a:extLst>
           </p:cNvPr>
@@ -2207,7 +2207,7 @@
           <p:cNvPr id="9" name="Slide Number Placeholder 8">
             <a:extLst>
               <a:ext uri="{FF2B5EF4-FFF2-40B4-BE49-F238E27FC236}">
-                <a16:creationId xmlns:a16="http://schemas.microsoft.com/office/drawing/2014/main" xmlns="" id="{1100F273-09FE-436E-9EA6-E9484199DD4B}"/>
+                <a16:creationId xmlns:a16="http://schemas.microsoft.com/office/drawing/2014/main" id="{1100F273-09FE-436E-9EA6-E9484199DD4B}"/>
               </a:ext>
             </a:extLst>
           </p:cNvPr>
@@ -2266,7 +2266,7 @@
           <p:cNvPr id="2" name="Title 1">
             <a:extLst>
               <a:ext uri="{FF2B5EF4-FFF2-40B4-BE49-F238E27FC236}">
-                <a16:creationId xmlns:a16="http://schemas.microsoft.com/office/drawing/2014/main" xmlns="" id="{91DC6776-83B8-4116-8696-AF49985AADB6}"/>
+                <a16:creationId xmlns:a16="http://schemas.microsoft.com/office/drawing/2014/main" id="{91DC6776-83B8-4116-8696-AF49985AADB6}"/>
               </a:ext>
             </a:extLst>
           </p:cNvPr>
@@ -2294,7 +2294,7 @@
           <p:cNvPr id="3" name="Date Placeholder 2">
             <a:extLst>
               <a:ext uri="{FF2B5EF4-FFF2-40B4-BE49-F238E27FC236}">
-                <a16:creationId xmlns:a16="http://schemas.microsoft.com/office/drawing/2014/main" xmlns="" id="{85B11CFB-B068-435A-8DA8-05292AEA94A3}"/>
+                <a16:creationId xmlns:a16="http://schemas.microsoft.com/office/drawing/2014/main" id="{85B11CFB-B068-435A-8DA8-05292AEA94A3}"/>
               </a:ext>
             </a:extLst>
           </p:cNvPr>
@@ -2312,7 +2312,7 @@
           <a:p>
             <a:fld id="{DF136250-D4A9-407B-8303-3F899433A848}" type="datetimeFigureOut">
               <a:rPr lang="en-US" smtClean="0"/>
-              <a:t>3/31/20</a:t>
+              <a:t>4/1/20</a:t>
             </a:fld>
             <a:endParaRPr lang="en-US"/>
           </a:p>
@@ -2323,7 +2323,7 @@
           <p:cNvPr id="4" name="Footer Placeholder 3">
             <a:extLst>
               <a:ext uri="{FF2B5EF4-FFF2-40B4-BE49-F238E27FC236}">
-                <a16:creationId xmlns:a16="http://schemas.microsoft.com/office/drawing/2014/main" xmlns="" id="{AF7C51ED-554C-4B62-A16F-D6F23AA4E892}"/>
+                <a16:creationId xmlns:a16="http://schemas.microsoft.com/office/drawing/2014/main" id="{AF7C51ED-554C-4B62-A16F-D6F23AA4E892}"/>
               </a:ext>
             </a:extLst>
           </p:cNvPr>
@@ -2348,7 +2348,7 @@
           <p:cNvPr id="5" name="Slide Number Placeholder 4">
             <a:extLst>
               <a:ext uri="{FF2B5EF4-FFF2-40B4-BE49-F238E27FC236}">
-                <a16:creationId xmlns:a16="http://schemas.microsoft.com/office/drawing/2014/main" xmlns="" id="{57080AEB-69C5-409E-8728-C3573D1535E4}"/>
+                <a16:creationId xmlns:a16="http://schemas.microsoft.com/office/drawing/2014/main" id="{57080AEB-69C5-409E-8728-C3573D1535E4}"/>
               </a:ext>
             </a:extLst>
           </p:cNvPr>
@@ -2407,7 +2407,7 @@
           <p:cNvPr id="2" name="Date Placeholder 1">
             <a:extLst>
               <a:ext uri="{FF2B5EF4-FFF2-40B4-BE49-F238E27FC236}">
-                <a16:creationId xmlns:a16="http://schemas.microsoft.com/office/drawing/2014/main" xmlns="" id="{7284F771-44F6-4485-92A1-C08CF9BB1AF9}"/>
+                <a16:creationId xmlns:a16="http://schemas.microsoft.com/office/drawing/2014/main" id="{7284F771-44F6-4485-92A1-C08CF9BB1AF9}"/>
               </a:ext>
             </a:extLst>
           </p:cNvPr>
@@ -2425,7 +2425,7 @@
           <a:p>
             <a:fld id="{DF136250-D4A9-407B-8303-3F899433A848}" type="datetimeFigureOut">
               <a:rPr lang="en-US" smtClean="0"/>
-              <a:t>3/31/20</a:t>
+              <a:t>4/1/20</a:t>
             </a:fld>
             <a:endParaRPr lang="en-US"/>
           </a:p>
@@ -2436,7 +2436,7 @@
           <p:cNvPr id="3" name="Footer Placeholder 2">
             <a:extLst>
               <a:ext uri="{FF2B5EF4-FFF2-40B4-BE49-F238E27FC236}">
-                <a16:creationId xmlns:a16="http://schemas.microsoft.com/office/drawing/2014/main" xmlns="" id="{EC7C7E1E-B394-40CC-A3D5-D7708384896A}"/>
+                <a16:creationId xmlns:a16="http://schemas.microsoft.com/office/drawing/2014/main" id="{EC7C7E1E-B394-40CC-A3D5-D7708384896A}"/>
               </a:ext>
             </a:extLst>
           </p:cNvPr>
@@ -2461,7 +2461,7 @@
           <p:cNvPr id="4" name="Slide Number Placeholder 3">
             <a:extLst>
               <a:ext uri="{FF2B5EF4-FFF2-40B4-BE49-F238E27FC236}">
-                <a16:creationId xmlns:a16="http://schemas.microsoft.com/office/drawing/2014/main" xmlns="" id="{A30B600E-9E17-4589-9A69-FC50DDB8BCFD}"/>
+                <a16:creationId xmlns:a16="http://schemas.microsoft.com/office/drawing/2014/main" id="{A30B600E-9E17-4589-9A69-FC50DDB8BCFD}"/>
               </a:ext>
             </a:extLst>
           </p:cNvPr>
@@ -2520,7 +2520,7 @@
           <p:cNvPr id="2" name="Title 1">
             <a:extLst>
               <a:ext uri="{FF2B5EF4-FFF2-40B4-BE49-F238E27FC236}">
-                <a16:creationId xmlns:a16="http://schemas.microsoft.com/office/drawing/2014/main" xmlns="" id="{893B577D-79FF-4B49-BB0E-CCAA32FF26CE}"/>
+                <a16:creationId xmlns:a16="http://schemas.microsoft.com/office/drawing/2014/main" id="{893B577D-79FF-4B49-BB0E-CCAA32FF26CE}"/>
               </a:ext>
             </a:extLst>
           </p:cNvPr>
@@ -2557,7 +2557,7 @@
           <p:cNvPr id="3" name="Content Placeholder 2">
             <a:extLst>
               <a:ext uri="{FF2B5EF4-FFF2-40B4-BE49-F238E27FC236}">
-                <a16:creationId xmlns:a16="http://schemas.microsoft.com/office/drawing/2014/main" xmlns="" id="{E2526AD8-DAAF-461F-A312-AD81A3E34C4C}"/>
+                <a16:creationId xmlns:a16="http://schemas.microsoft.com/office/drawing/2014/main" id="{E2526AD8-DAAF-461F-A312-AD81A3E34C4C}"/>
               </a:ext>
             </a:extLst>
           </p:cNvPr>
@@ -2647,7 +2647,7 @@
           <p:cNvPr id="4" name="Text Placeholder 3">
             <a:extLst>
               <a:ext uri="{FF2B5EF4-FFF2-40B4-BE49-F238E27FC236}">
-                <a16:creationId xmlns:a16="http://schemas.microsoft.com/office/drawing/2014/main" xmlns="" id="{B294C583-FC3B-4E6C-9EB3-292F6018EE9A}"/>
+                <a16:creationId xmlns:a16="http://schemas.microsoft.com/office/drawing/2014/main" id="{B294C583-FC3B-4E6C-9EB3-292F6018EE9A}"/>
               </a:ext>
             </a:extLst>
           </p:cNvPr>
@@ -2718,7 +2718,7 @@
           <p:cNvPr id="5" name="Date Placeholder 4">
             <a:extLst>
               <a:ext uri="{FF2B5EF4-FFF2-40B4-BE49-F238E27FC236}">
-                <a16:creationId xmlns:a16="http://schemas.microsoft.com/office/drawing/2014/main" xmlns="" id="{0DB18248-DE64-41FB-8D31-E76DA785F1FD}"/>
+                <a16:creationId xmlns:a16="http://schemas.microsoft.com/office/drawing/2014/main" id="{0DB18248-DE64-41FB-8D31-E76DA785F1FD}"/>
               </a:ext>
             </a:extLst>
           </p:cNvPr>
@@ -2736,7 +2736,7 @@
           <a:p>
             <a:fld id="{DF136250-D4A9-407B-8303-3F899433A848}" type="datetimeFigureOut">
               <a:rPr lang="en-US" smtClean="0"/>
-              <a:t>3/31/20</a:t>
+              <a:t>4/1/20</a:t>
             </a:fld>
             <a:endParaRPr lang="en-US"/>
           </a:p>
@@ -2747,7 +2747,7 @@
           <p:cNvPr id="6" name="Footer Placeholder 5">
             <a:extLst>
               <a:ext uri="{FF2B5EF4-FFF2-40B4-BE49-F238E27FC236}">
-                <a16:creationId xmlns:a16="http://schemas.microsoft.com/office/drawing/2014/main" xmlns="" id="{D3F53E04-F1F0-41AE-A3AA-CADCA3B1DD47}"/>
+                <a16:creationId xmlns:a16="http://schemas.microsoft.com/office/drawing/2014/main" id="{D3F53E04-F1F0-41AE-A3AA-CADCA3B1DD47}"/>
               </a:ext>
             </a:extLst>
           </p:cNvPr>
@@ -2772,7 +2772,7 @@
           <p:cNvPr id="7" name="Slide Number Placeholder 6">
             <a:extLst>
               <a:ext uri="{FF2B5EF4-FFF2-40B4-BE49-F238E27FC236}">
-                <a16:creationId xmlns:a16="http://schemas.microsoft.com/office/drawing/2014/main" xmlns="" id="{245587DB-0152-49FE-BFFD-1F1EF1BBF0A5}"/>
+                <a16:creationId xmlns:a16="http://schemas.microsoft.com/office/drawing/2014/main" id="{245587DB-0152-49FE-BFFD-1F1EF1BBF0A5}"/>
               </a:ext>
             </a:extLst>
           </p:cNvPr>
@@ -2831,7 +2831,7 @@
           <p:cNvPr id="2" name="Title 1">
             <a:extLst>
               <a:ext uri="{FF2B5EF4-FFF2-40B4-BE49-F238E27FC236}">
-                <a16:creationId xmlns:a16="http://schemas.microsoft.com/office/drawing/2014/main" xmlns="" id="{8E65433E-3E69-4624-BAA6-10B274D1D05F}"/>
+                <a16:creationId xmlns:a16="http://schemas.microsoft.com/office/drawing/2014/main" id="{8E65433E-3E69-4624-BAA6-10B274D1D05F}"/>
               </a:ext>
             </a:extLst>
           </p:cNvPr>
@@ -2868,7 +2868,7 @@
           <p:cNvPr id="3" name="Picture Placeholder 2">
             <a:extLst>
               <a:ext uri="{FF2B5EF4-FFF2-40B4-BE49-F238E27FC236}">
-                <a16:creationId xmlns:a16="http://schemas.microsoft.com/office/drawing/2014/main" xmlns="" id="{9A9E724A-80A3-4E62-8ADD-2C31857E7CAF}"/>
+                <a16:creationId xmlns:a16="http://schemas.microsoft.com/office/drawing/2014/main" id="{9A9E724A-80A3-4E62-8ADD-2C31857E7CAF}"/>
               </a:ext>
             </a:extLst>
           </p:cNvPr>
@@ -2935,7 +2935,7 @@
           <p:cNvPr id="4" name="Text Placeholder 3">
             <a:extLst>
               <a:ext uri="{FF2B5EF4-FFF2-40B4-BE49-F238E27FC236}">
-                <a16:creationId xmlns:a16="http://schemas.microsoft.com/office/drawing/2014/main" xmlns="" id="{B0279A70-CF27-439B-95CB-AB1620214A88}"/>
+                <a16:creationId xmlns:a16="http://schemas.microsoft.com/office/drawing/2014/main" id="{B0279A70-CF27-439B-95CB-AB1620214A88}"/>
               </a:ext>
             </a:extLst>
           </p:cNvPr>
@@ -3006,7 +3006,7 @@
           <p:cNvPr id="5" name="Date Placeholder 4">
             <a:extLst>
               <a:ext uri="{FF2B5EF4-FFF2-40B4-BE49-F238E27FC236}">
-                <a16:creationId xmlns:a16="http://schemas.microsoft.com/office/drawing/2014/main" xmlns="" id="{9590593A-860F-4631-AE23-3960CFB61539}"/>
+                <a16:creationId xmlns:a16="http://schemas.microsoft.com/office/drawing/2014/main" id="{9590593A-860F-4631-AE23-3960CFB61539}"/>
               </a:ext>
             </a:extLst>
           </p:cNvPr>
@@ -3024,7 +3024,7 @@
           <a:p>
             <a:fld id="{DF136250-D4A9-407B-8303-3F899433A848}" type="datetimeFigureOut">
               <a:rPr lang="en-US" smtClean="0"/>
-              <a:t>3/31/20</a:t>
+              <a:t>4/1/20</a:t>
             </a:fld>
             <a:endParaRPr lang="en-US"/>
           </a:p>
@@ -3035,7 +3035,7 @@
           <p:cNvPr id="6" name="Footer Placeholder 5">
             <a:extLst>
               <a:ext uri="{FF2B5EF4-FFF2-40B4-BE49-F238E27FC236}">
-                <a16:creationId xmlns:a16="http://schemas.microsoft.com/office/drawing/2014/main" xmlns="" id="{A85FADBA-40F9-4EC4-884E-534DD159BA73}"/>
+                <a16:creationId xmlns:a16="http://schemas.microsoft.com/office/drawing/2014/main" id="{A85FADBA-40F9-4EC4-884E-534DD159BA73}"/>
               </a:ext>
             </a:extLst>
           </p:cNvPr>
@@ -3060,7 +3060,7 @@
           <p:cNvPr id="7" name="Slide Number Placeholder 6">
             <a:extLst>
               <a:ext uri="{FF2B5EF4-FFF2-40B4-BE49-F238E27FC236}">
-                <a16:creationId xmlns:a16="http://schemas.microsoft.com/office/drawing/2014/main" xmlns="" id="{D2B60A72-75D5-48C3-96CB-40564284D657}"/>
+                <a16:creationId xmlns:a16="http://schemas.microsoft.com/office/drawing/2014/main" id="{D2B60A72-75D5-48C3-96CB-40564284D657}"/>
               </a:ext>
             </a:extLst>
           </p:cNvPr>
@@ -3124,7 +3124,7 @@
           <p:cNvPr id="2" name="Title Placeholder 1">
             <a:extLst>
               <a:ext uri="{FF2B5EF4-FFF2-40B4-BE49-F238E27FC236}">
-                <a16:creationId xmlns:a16="http://schemas.microsoft.com/office/drawing/2014/main" xmlns="" id="{409F72CD-5AF9-4516-9977-3AC5443E3478}"/>
+                <a16:creationId xmlns:a16="http://schemas.microsoft.com/office/drawing/2014/main" id="{409F72CD-5AF9-4516-9977-3AC5443E3478}"/>
               </a:ext>
             </a:extLst>
           </p:cNvPr>
@@ -3162,7 +3162,7 @@
           <p:cNvPr id="3" name="Text Placeholder 2">
             <a:extLst>
               <a:ext uri="{FF2B5EF4-FFF2-40B4-BE49-F238E27FC236}">
-                <a16:creationId xmlns:a16="http://schemas.microsoft.com/office/drawing/2014/main" xmlns="" id="{51144073-FE00-43F7-BC46-D87C76984F6E}"/>
+                <a16:creationId xmlns:a16="http://schemas.microsoft.com/office/drawing/2014/main" id="{51144073-FE00-43F7-BC46-D87C76984F6E}"/>
               </a:ext>
             </a:extLst>
           </p:cNvPr>
@@ -3229,7 +3229,7 @@
           <p:cNvPr id="4" name="Date Placeholder 3">
             <a:extLst>
               <a:ext uri="{FF2B5EF4-FFF2-40B4-BE49-F238E27FC236}">
-                <a16:creationId xmlns:a16="http://schemas.microsoft.com/office/drawing/2014/main" xmlns="" id="{849AD98D-F8B3-4239-B27D-A21A38BF1E5B}"/>
+                <a16:creationId xmlns:a16="http://schemas.microsoft.com/office/drawing/2014/main" id="{849AD98D-F8B3-4239-B27D-A21A38BF1E5B}"/>
               </a:ext>
             </a:extLst>
           </p:cNvPr>
@@ -3265,7 +3265,7 @@
           <a:p>
             <a:fld id="{DF136250-D4A9-407B-8303-3F899433A848}" type="datetimeFigureOut">
               <a:rPr lang="en-US" smtClean="0"/>
-              <a:t>3/31/20</a:t>
+              <a:t>4/1/20</a:t>
             </a:fld>
             <a:endParaRPr lang="en-US"/>
           </a:p>
@@ -3276,7 +3276,7 @@
           <p:cNvPr id="5" name="Footer Placeholder 4">
             <a:extLst>
               <a:ext uri="{FF2B5EF4-FFF2-40B4-BE49-F238E27FC236}">
-                <a16:creationId xmlns:a16="http://schemas.microsoft.com/office/drawing/2014/main" xmlns="" id="{EA59316C-9CC3-4EE7-A414-455725780632}"/>
+                <a16:creationId xmlns:a16="http://schemas.microsoft.com/office/drawing/2014/main" id="{EA59316C-9CC3-4EE7-A414-455725780632}"/>
               </a:ext>
             </a:extLst>
           </p:cNvPr>
@@ -3319,7 +3319,7 @@
           <p:cNvPr id="6" name="Slide Number Placeholder 5">
             <a:extLst>
               <a:ext uri="{FF2B5EF4-FFF2-40B4-BE49-F238E27FC236}">
-                <a16:creationId xmlns:a16="http://schemas.microsoft.com/office/drawing/2014/main" xmlns="" id="{755BB348-BADB-4402-8029-B279D4B5D2F7}"/>
+                <a16:creationId xmlns:a16="http://schemas.microsoft.com/office/drawing/2014/main" id="{755BB348-BADB-4402-8029-B279D4B5D2F7}"/>
               </a:ext>
             </a:extLst>
           </p:cNvPr>
@@ -3701,7 +3701,7 @@
           <p:cNvPr id="2" name="Title 1">
             <a:extLst>
               <a:ext uri="{FF2B5EF4-FFF2-40B4-BE49-F238E27FC236}">
-                <a16:creationId xmlns:a16="http://schemas.microsoft.com/office/drawing/2014/main" xmlns="" id="{5B541102-0EE6-4EED-A16C-492913AB51C5}"/>
+                <a16:creationId xmlns:a16="http://schemas.microsoft.com/office/drawing/2014/main" id="{5B541102-0EE6-4EED-A16C-492913AB51C5}"/>
               </a:ext>
             </a:extLst>
           </p:cNvPr>
@@ -3776,7 +3776,7 @@
           <p:cNvPr id="7" name="TextBox 6">
             <a:extLst>
               <a:ext uri="{FF2B5EF4-FFF2-40B4-BE49-F238E27FC236}">
-                <a16:creationId xmlns:a16="http://schemas.microsoft.com/office/drawing/2014/main" xmlns="" id="{67FBD4A4-B990-4B59-8C85-9292084D316F}"/>
+                <a16:creationId xmlns:a16="http://schemas.microsoft.com/office/drawing/2014/main" id="{67FBD4A4-B990-4B59-8C85-9292084D316F}"/>
               </a:ext>
             </a:extLst>
           </p:cNvPr>
@@ -3892,13 +3892,6 @@
   <p:clrMapOvr>
     <a:masterClrMapping/>
   </p:clrMapOvr>
-  <p:timing>
-    <p:tnLst>
-      <p:par>
-        <p:cTn id="1" dur="indefinite" restart="never" nodeType="tmRoot"/>
-      </p:par>
-    </p:tnLst>
-  </p:timing>
 </p:sld>
 </file>
 
@@ -3951,7 +3944,7 @@
           <p:cNvPr id="2" name="Title 1">
             <a:extLst>
               <a:ext uri="{FF2B5EF4-FFF2-40B4-BE49-F238E27FC236}">
-                <a16:creationId xmlns:a16="http://schemas.microsoft.com/office/drawing/2014/main" xmlns="" id="{33BBDDCA-8B81-444E-BB37-F8D6002D3204}"/>
+                <a16:creationId xmlns:a16="http://schemas.microsoft.com/office/drawing/2014/main" id="{33BBDDCA-8B81-444E-BB37-F8D6002D3204}"/>
               </a:ext>
             </a:extLst>
           </p:cNvPr>
@@ -3986,7 +3979,7 @@
           <p:cNvPr id="3" name="Content Placeholder 2">
             <a:extLst>
               <a:ext uri="{FF2B5EF4-FFF2-40B4-BE49-F238E27FC236}">
-                <a16:creationId xmlns:a16="http://schemas.microsoft.com/office/drawing/2014/main" xmlns="" id="{E6F0B65F-4B70-4613-BD33-08CE13508713}"/>
+                <a16:creationId xmlns:a16="http://schemas.microsoft.com/office/drawing/2014/main" id="{E6F0B65F-4B70-4613-BD33-08CE13508713}"/>
               </a:ext>
             </a:extLst>
           </p:cNvPr>
@@ -4222,13 +4215,6 @@
   <p:clrMapOvr>
     <a:masterClrMapping/>
   </p:clrMapOvr>
-  <p:timing>
-    <p:tnLst>
-      <p:par>
-        <p:cTn id="1" dur="indefinite" restart="never" nodeType="tmRoot"/>
-      </p:par>
-    </p:tnLst>
-  </p:timing>
 </p:sld>
 </file>
 
@@ -4281,7 +4267,7 @@
           <p:cNvPr id="2" name="Title 1">
             <a:extLst>
               <a:ext uri="{FF2B5EF4-FFF2-40B4-BE49-F238E27FC236}">
-                <a16:creationId xmlns:a16="http://schemas.microsoft.com/office/drawing/2014/main" xmlns="" id="{DB9BC608-4149-4FB4-9C4C-364B19781FDD}"/>
+                <a16:creationId xmlns:a16="http://schemas.microsoft.com/office/drawing/2014/main" id="{DB9BC608-4149-4FB4-9C4C-364B19781FDD}"/>
               </a:ext>
             </a:extLst>
           </p:cNvPr>
@@ -4313,7 +4299,7 @@
           <p:cNvPr id="3" name="Content Placeholder 2">
             <a:extLst>
               <a:ext uri="{FF2B5EF4-FFF2-40B4-BE49-F238E27FC236}">
-                <a16:creationId xmlns:a16="http://schemas.microsoft.com/office/drawing/2014/main" xmlns="" id="{596EAF5F-875D-49BB-9BB9-D3616B9EE3FC}"/>
+                <a16:creationId xmlns:a16="http://schemas.microsoft.com/office/drawing/2014/main" id="{596EAF5F-875D-49BB-9BB9-D3616B9EE3FC}"/>
               </a:ext>
             </a:extLst>
           </p:cNvPr>
@@ -4401,13 +4387,8 @@
           <a:p>
             <a:r>
               <a:rPr lang="en-US" b="1" dirty="0"/>
-              <a:t>Performance </a:t>
-            </a:r>
-            <a:r>
-              <a:rPr lang="en-US" b="1" dirty="0" smtClean="0"/>
-              <a:t>results: </a:t>
-            </a:r>
-            <a:endParaRPr lang="en-US" b="1" dirty="0"/>
+              <a:t>Performance results: </a:t>
+            </a:r>
           </a:p>
           <a:p>
             <a:pPr lvl="1"/>
@@ -4480,7 +4461,7 @@
           <p:cNvPr id="1026" name="Picture 2">
             <a:extLst>
               <a:ext uri="{FF2B5EF4-FFF2-40B4-BE49-F238E27FC236}">
-                <a16:creationId xmlns:a16="http://schemas.microsoft.com/office/drawing/2014/main" xmlns="" id="{24D40526-8480-4D61-921D-80DBEAC70ED5}"/>
+                <a16:creationId xmlns:a16="http://schemas.microsoft.com/office/drawing/2014/main" id="{24D40526-8480-4D61-921D-80DBEAC70ED5}"/>
               </a:ext>
             </a:extLst>
           </p:cNvPr>
@@ -4527,7 +4508,7 @@
           <p:cNvPr id="5" name="TextBox 4">
             <a:extLst>
               <a:ext uri="{FF2B5EF4-FFF2-40B4-BE49-F238E27FC236}">
-                <a16:creationId xmlns:a16="http://schemas.microsoft.com/office/drawing/2014/main" xmlns="" id="{879040E5-F709-4F60-8048-BE832F8315CF}"/>
+                <a16:creationId xmlns:a16="http://schemas.microsoft.com/office/drawing/2014/main" id="{879040E5-F709-4F60-8048-BE832F8315CF}"/>
               </a:ext>
             </a:extLst>
           </p:cNvPr>
@@ -4567,13 +4548,6 @@
   <p:clrMapOvr>
     <a:masterClrMapping/>
   </p:clrMapOvr>
-  <p:timing>
-    <p:tnLst>
-      <p:par>
-        <p:cTn id="1" dur="indefinite" restart="never" nodeType="tmRoot"/>
-      </p:par>
-    </p:tnLst>
-  </p:timing>
 </p:sld>
 </file>
 
@@ -4626,7 +4600,7 @@
           <p:cNvPr id="2" name="Title 1">
             <a:extLst>
               <a:ext uri="{FF2B5EF4-FFF2-40B4-BE49-F238E27FC236}">
-                <a16:creationId xmlns:a16="http://schemas.microsoft.com/office/drawing/2014/main" xmlns="" id="{761EB687-7478-4E00-BF8A-C908AE517FF2}"/>
+                <a16:creationId xmlns:a16="http://schemas.microsoft.com/office/drawing/2014/main" id="{761EB687-7478-4E00-BF8A-C908AE517FF2}"/>
               </a:ext>
             </a:extLst>
           </p:cNvPr>
@@ -4658,7 +4632,7 @@
           <p:cNvPr id="3" name="Content Placeholder 2">
             <a:extLst>
               <a:ext uri="{FF2B5EF4-FFF2-40B4-BE49-F238E27FC236}">
-                <a16:creationId xmlns:a16="http://schemas.microsoft.com/office/drawing/2014/main" xmlns="" id="{CFB6AB37-DC8F-47C8-8F89-314FAD26DA3F}"/>
+                <a16:creationId xmlns:a16="http://schemas.microsoft.com/office/drawing/2014/main" id="{CFB6AB37-DC8F-47C8-8F89-314FAD26DA3F}"/>
               </a:ext>
             </a:extLst>
           </p:cNvPr>
@@ -4682,12 +4656,8 @@
           <a:lstStyle/>
           <a:p>
             <a:r>
-              <a:rPr lang="en-US" dirty="0" smtClean="0"/>
-              <a:t>Neural Network </a:t>
-            </a:r>
-            <a:r>
               <a:rPr lang="en-US" dirty="0"/>
-              <a:t>models take a collection of inputs and improves accuracy by building on significant features validated through thresholds calculated within the hidden layer. This ultimately creates a predictor for the classifier within the output layer- image representation:</a:t>
+              <a:t>Neural Network models take a collection of inputs and improves accuracy by building on significant features validated through thresholds calculated within the hidden layer. This ultimately creates a predictor for the classifier within the output layer- image representation:</a:t>
             </a:r>
           </a:p>
           <a:p>
@@ -4733,7 +4703,7 @@
           <p:cNvPr id="2050" name="Picture 2">
             <a:extLst>
               <a:ext uri="{FF2B5EF4-FFF2-40B4-BE49-F238E27FC236}">
-                <a16:creationId xmlns:a16="http://schemas.microsoft.com/office/drawing/2014/main" xmlns="" id="{18A92068-10D2-49C8-BFBF-DE042E962D49}"/>
+                <a16:creationId xmlns:a16="http://schemas.microsoft.com/office/drawing/2014/main" id="{18A92068-10D2-49C8-BFBF-DE042E962D49}"/>
               </a:ext>
             </a:extLst>
           </p:cNvPr>
@@ -4780,7 +4750,7 @@
           <p:cNvPr id="5" name="Picture 4">
             <a:extLst>
               <a:ext uri="{FF2B5EF4-FFF2-40B4-BE49-F238E27FC236}">
-                <a16:creationId xmlns:a16="http://schemas.microsoft.com/office/drawing/2014/main" xmlns="" id="{1FB49289-900A-413B-A96B-EB6FF45CD40E}"/>
+                <a16:creationId xmlns:a16="http://schemas.microsoft.com/office/drawing/2014/main" id="{1FB49289-900A-413B-A96B-EB6FF45CD40E}"/>
               </a:ext>
             </a:extLst>
           </p:cNvPr>
@@ -4818,7 +4788,7 @@
           <p:cNvPr id="4" name="TextBox 3">
             <a:extLst>
               <a:ext uri="{FF2B5EF4-FFF2-40B4-BE49-F238E27FC236}">
-                <a16:creationId xmlns:a16="http://schemas.microsoft.com/office/drawing/2014/main" xmlns="" id="{EE43CD31-644A-458E-BECC-412B19B107BD}"/>
+                <a16:creationId xmlns:a16="http://schemas.microsoft.com/office/drawing/2014/main" id="{EE43CD31-644A-458E-BECC-412B19B107BD}"/>
               </a:ext>
             </a:extLst>
           </p:cNvPr>
@@ -4842,8 +4812,12 @@
           <a:lstStyle/>
           <a:p>
             <a:r>
+              <a:rPr lang="en-US"/>
+              <a:t>NN </a:t>
+            </a:r>
+            <a:r>
               <a:rPr lang="en-US" dirty="0"/>
-              <a:t>CNN Parameters used:  </a:t>
+              <a:t>Parameters used:  </a:t>
             </a:r>
           </a:p>
           <a:p>
@@ -4882,13 +4856,8 @@
           <a:p>
             <a:r>
               <a:rPr lang="en-US" sz="2200" b="1" dirty="0"/>
-              <a:t>Performance </a:t>
-            </a:r>
-            <a:r>
-              <a:rPr lang="en-US" sz="2200" b="1" dirty="0" smtClean="0"/>
-              <a:t>Results: </a:t>
-            </a:r>
-            <a:endParaRPr lang="en-US" sz="2200" b="1" dirty="0"/>
+              <a:t>Performance Results: </a:t>
+            </a:r>
           </a:p>
           <a:p>
             <a:pPr lvl="1"/>
@@ -4908,16 +4877,12 @@
               <a:t> </a:t>
             </a:r>
             <a:r>
-              <a:rPr lang="en-US" altLang="zh-CN" sz="2200" b="1" dirty="0" smtClean="0"/>
+              <a:rPr lang="en-US" altLang="zh-CN" sz="2200" b="1" dirty="0"/>
               <a:t>fitting</a:t>
             </a:r>
             <a:r>
-              <a:rPr lang="en-US" sz="2200" b="1" dirty="0" smtClean="0"/>
-              <a:t>: </a:t>
-            </a:r>
-            <a:r>
               <a:rPr lang="en-US" sz="2200" b="1" dirty="0"/>
-              <a:t>11.24 minutes </a:t>
+              <a:t>: 11.24 minutes </a:t>
             </a:r>
             <a:r>
               <a:rPr lang="en-US" sz="2200" dirty="0"/>
@@ -4971,13 +4936,6 @@
   <p:clrMapOvr>
     <a:masterClrMapping/>
   </p:clrMapOvr>
-  <p:timing>
-    <p:tnLst>
-      <p:par>
-        <p:cTn id="1" dur="indefinite" restart="never" nodeType="tmRoot"/>
-      </p:par>
-    </p:tnLst>
-  </p:timing>
 </p:sld>
 </file>
 
@@ -5030,7 +4988,7 @@
           <p:cNvPr id="2" name="Title 1">
             <a:extLst>
               <a:ext uri="{FF2B5EF4-FFF2-40B4-BE49-F238E27FC236}">
-                <a16:creationId xmlns:a16="http://schemas.microsoft.com/office/drawing/2014/main" xmlns="" id="{1C678078-AB1E-45BF-B5FD-034ED9AE3E6A}"/>
+                <a16:creationId xmlns:a16="http://schemas.microsoft.com/office/drawing/2014/main" id="{1C678078-AB1E-45BF-B5FD-034ED9AE3E6A}"/>
               </a:ext>
             </a:extLst>
           </p:cNvPr>
@@ -5062,7 +5020,7 @@
           <p:cNvPr id="3" name="Content Placeholder 2">
             <a:extLst>
               <a:ext uri="{FF2B5EF4-FFF2-40B4-BE49-F238E27FC236}">
-                <a16:creationId xmlns:a16="http://schemas.microsoft.com/office/drawing/2014/main" xmlns="" id="{DD89717D-C9ED-4E64-A480-6646497B43FD}"/>
+                <a16:creationId xmlns:a16="http://schemas.microsoft.com/office/drawing/2014/main" id="{DD89717D-C9ED-4E64-A480-6646497B43FD}"/>
               </a:ext>
             </a:extLst>
           </p:cNvPr>
@@ -5101,7 +5059,7 @@
           <p:cNvPr id="5" name="Picture 4">
             <a:extLst>
               <a:ext uri="{FF2B5EF4-FFF2-40B4-BE49-F238E27FC236}">
-                <a16:creationId xmlns:a16="http://schemas.microsoft.com/office/drawing/2014/main" xmlns="" id="{1B204B66-02B2-4DAE-A80B-010F114F8A95}"/>
+                <a16:creationId xmlns:a16="http://schemas.microsoft.com/office/drawing/2014/main" id="{1B204B66-02B2-4DAE-A80B-010F114F8A95}"/>
               </a:ext>
             </a:extLst>
           </p:cNvPr>
@@ -5142,7 +5100,7 @@
           <p:cNvPr id="6" name="TextBox 5">
             <a:extLst>
               <a:ext uri="{FF2B5EF4-FFF2-40B4-BE49-F238E27FC236}">
-                <a16:creationId xmlns:a16="http://schemas.microsoft.com/office/drawing/2014/main" xmlns="" id="{3CE8C2B2-4A72-4936-973E-294121E2821F}"/>
+                <a16:creationId xmlns:a16="http://schemas.microsoft.com/office/drawing/2014/main" id="{3CE8C2B2-4A72-4936-973E-294121E2821F}"/>
               </a:ext>
             </a:extLst>
           </p:cNvPr>
@@ -5232,11 +5190,7 @@
             </a:r>
             <a:r>
               <a:rPr lang="en-US" sz="2000" b="1"/>
-              <a:t>: </a:t>
-            </a:r>
-            <a:r>
-              <a:rPr lang="en-US" sz="2000" b="1" smtClean="0"/>
-              <a:t>53.48%</a:t>
+              <a:t>: 53.48%</a:t>
             </a:r>
             <a:endParaRPr lang="en-US" sz="2000" b="1" dirty="0"/>
           </a:p>
@@ -5246,20 +5200,12 @@
               <a:buChar char="•"/>
             </a:pPr>
             <a:r>
-              <a:rPr lang="en-US" altLang="zh-CN" sz="2000" b="1" dirty="0" smtClean="0"/>
-              <a:t>Time for </a:t>
-            </a:r>
-            <a:r>
-              <a:rPr lang="en-US" altLang="zh-CN" sz="2000" b="1" dirty="0" smtClean="0"/>
-              <a:t>fitting</a:t>
-            </a:r>
-            <a:r>
-              <a:rPr lang="en-US" sz="2000" b="1" dirty="0" smtClean="0"/>
-              <a:t>: </a:t>
+              <a:rPr lang="en-US" altLang="zh-CN" sz="2000" b="1" dirty="0"/>
+              <a:t>Time for fitting</a:t>
             </a:r>
             <a:r>
               <a:rPr lang="en-US" sz="2000" b="1" dirty="0"/>
-              <a:t>3.07 minutes</a:t>
+              <a:t>: 3.07 minutes</a:t>
             </a:r>
           </a:p>
           <a:p>
@@ -5268,16 +5214,8 @@
               <a:buChar char="•"/>
             </a:pPr>
             <a:r>
-              <a:rPr lang="en-US" altLang="zh-CN" sz="2000" b="1" dirty="0" smtClean="0"/>
-              <a:t>Time for </a:t>
-            </a:r>
-            <a:r>
-              <a:rPr lang="en-US" altLang="zh-CN" sz="2000" b="1" dirty="0" smtClean="0"/>
-              <a:t>prediction</a:t>
-            </a:r>
-            <a:r>
               <a:rPr lang="en-US" altLang="zh-CN" sz="2000" b="1" dirty="0"/>
-              <a:t>:</a:t>
+              <a:t>Time for prediction:</a:t>
             </a:r>
             <a:r>
               <a:rPr lang="zh-CN" altLang="en-US" sz="2000" b="1" dirty="0"/>
@@ -5299,7 +5237,7 @@
           <p:cNvPr id="3074" name="Picture 2">
             <a:extLst>
               <a:ext uri="{FF2B5EF4-FFF2-40B4-BE49-F238E27FC236}">
-                <a16:creationId xmlns:a16="http://schemas.microsoft.com/office/drawing/2014/main" xmlns="" id="{21D909BD-41A4-4D61-8E7F-F58D20975879}"/>
+                <a16:creationId xmlns:a16="http://schemas.microsoft.com/office/drawing/2014/main" id="{21D909BD-41A4-4D61-8E7F-F58D20975879}"/>
               </a:ext>
             </a:extLst>
           </p:cNvPr>
@@ -5346,7 +5284,7 @@
           <p:cNvPr id="7" name="TextBox 6">
             <a:extLst>
               <a:ext uri="{FF2B5EF4-FFF2-40B4-BE49-F238E27FC236}">
-                <a16:creationId xmlns:a16="http://schemas.microsoft.com/office/drawing/2014/main" xmlns="" id="{67A7FF84-591C-43A8-B7AC-CC6B6701E538}"/>
+                <a16:creationId xmlns:a16="http://schemas.microsoft.com/office/drawing/2014/main" id="{67A7FF84-591C-43A8-B7AC-CC6B6701E538}"/>
               </a:ext>
             </a:extLst>
           </p:cNvPr>
@@ -5386,13 +5324,6 @@
   <p:clrMapOvr>
     <a:masterClrMapping/>
   </p:clrMapOvr>
-  <p:timing>
-    <p:tnLst>
-      <p:par>
-        <p:cTn id="1" dur="indefinite" restart="never" nodeType="tmRoot"/>
-      </p:par>
-    </p:tnLst>
-  </p:timing>
 </p:sld>
 </file>
 
@@ -5445,7 +5376,7 @@
           <p:cNvPr id="2" name="Title 1">
             <a:extLst>
               <a:ext uri="{FF2B5EF4-FFF2-40B4-BE49-F238E27FC236}">
-                <a16:creationId xmlns:a16="http://schemas.microsoft.com/office/drawing/2014/main" xmlns="" id="{F6E772E1-3229-4E7A-91AF-2C3FF38C2660}"/>
+                <a16:creationId xmlns:a16="http://schemas.microsoft.com/office/drawing/2014/main" id="{F6E772E1-3229-4E7A-91AF-2C3FF38C2660}"/>
               </a:ext>
             </a:extLst>
           </p:cNvPr>
@@ -5477,7 +5408,7 @@
           <p:cNvPr id="3" name="Content Placeholder 2">
             <a:extLst>
               <a:ext uri="{FF2B5EF4-FFF2-40B4-BE49-F238E27FC236}">
-                <a16:creationId xmlns:a16="http://schemas.microsoft.com/office/drawing/2014/main" xmlns="" id="{F3D78274-3FD9-4A6A-B2FC-20A1DF2C6173}"/>
+                <a16:creationId xmlns:a16="http://schemas.microsoft.com/office/drawing/2014/main" id="{F3D78274-3FD9-4A6A-B2FC-20A1DF2C6173}"/>
               </a:ext>
             </a:extLst>
           </p:cNvPr>
@@ -5823,7 +5754,7 @@
           <p:cNvPr id="5" name="TextBox 4">
             <a:extLst>
               <a:ext uri="{FF2B5EF4-FFF2-40B4-BE49-F238E27FC236}">
-                <a16:creationId xmlns:a16="http://schemas.microsoft.com/office/drawing/2014/main" xmlns="" id="{17776CB6-5BF4-41AA-B4A4-95A8F4F740B2}"/>
+                <a16:creationId xmlns:a16="http://schemas.microsoft.com/office/drawing/2014/main" id="{17776CB6-5BF4-41AA-B4A4-95A8F4F740B2}"/>
               </a:ext>
             </a:extLst>
           </p:cNvPr>
@@ -5858,7 +5789,7 @@
           <p:cNvPr id="7" name="Picture 6" descr="A screenshot of a cell phone&#10;&#10;Description automatically generated">
             <a:extLst>
               <a:ext uri="{FF2B5EF4-FFF2-40B4-BE49-F238E27FC236}">
-                <a16:creationId xmlns:a16="http://schemas.microsoft.com/office/drawing/2014/main" xmlns="" id="{E27C222E-66B1-6F4D-9B6C-6D00DA546340}"/>
+                <a16:creationId xmlns:a16="http://schemas.microsoft.com/office/drawing/2014/main" id="{E27C222E-66B1-6F4D-9B6C-6D00DA546340}"/>
               </a:ext>
             </a:extLst>
           </p:cNvPr>
@@ -5899,13 +5830,6 @@
   <p:clrMapOvr>
     <a:masterClrMapping/>
   </p:clrMapOvr>
-  <p:timing>
-    <p:tnLst>
-      <p:par>
-        <p:cTn id="1" dur="indefinite" restart="never" nodeType="tmRoot"/>
-      </p:par>
-    </p:tnLst>
-  </p:timing>
 </p:sld>
 </file>
 
@@ -5958,7 +5882,7 @@
           <p:cNvPr id="2" name="Title 1">
             <a:extLst>
               <a:ext uri="{FF2B5EF4-FFF2-40B4-BE49-F238E27FC236}">
-                <a16:creationId xmlns:a16="http://schemas.microsoft.com/office/drawing/2014/main" xmlns="" id="{7DD45770-B209-4833-A7D5-DA8B8C9BD965}"/>
+                <a16:creationId xmlns:a16="http://schemas.microsoft.com/office/drawing/2014/main" id="{7DD45770-B209-4833-A7D5-DA8B8C9BD965}"/>
               </a:ext>
             </a:extLst>
           </p:cNvPr>
@@ -5990,7 +5914,7 @@
           <p:cNvPr id="9" name="TextBox 8">
             <a:extLst>
               <a:ext uri="{FF2B5EF4-FFF2-40B4-BE49-F238E27FC236}">
-                <a16:creationId xmlns:a16="http://schemas.microsoft.com/office/drawing/2014/main" xmlns="" id="{37A603FE-B6B8-4743-AEA1-0E5CA48C4FD3}"/>
+                <a16:creationId xmlns:a16="http://schemas.microsoft.com/office/drawing/2014/main" id="{37A603FE-B6B8-4743-AEA1-0E5CA48C4FD3}"/>
               </a:ext>
             </a:extLst>
           </p:cNvPr>
@@ -6061,7 +5985,7 @@
           <p:cNvPr id="3" name="Picture 2">
             <a:extLst>
               <a:ext uri="{FF2B5EF4-FFF2-40B4-BE49-F238E27FC236}">
-                <a16:creationId xmlns:a16="http://schemas.microsoft.com/office/drawing/2014/main" xmlns="" id="{66D54ABC-D183-4195-9602-1E02F5036664}"/>
+                <a16:creationId xmlns:a16="http://schemas.microsoft.com/office/drawing/2014/main" id="{66D54ABC-D183-4195-9602-1E02F5036664}"/>
               </a:ext>
             </a:extLst>
           </p:cNvPr>
@@ -6104,13 +6028,6 @@
   <p:clrMapOvr>
     <a:masterClrMapping/>
   </p:clrMapOvr>
-  <p:timing>
-    <p:tnLst>
-      <p:par>
-        <p:cTn id="1" dur="indefinite" restart="never" nodeType="tmRoot"/>
-      </p:par>
-    </p:tnLst>
-  </p:timing>
 </p:sld>
 </file>
 
